--- a/Präsentationsfolien/Tag03_SAPUI5-Fiori_DE.pptx
+++ b/Präsentationsfolien/Tag03_SAPUI5-Fiori_DE.pptx
@@ -11,13 +11,13 @@
   <p:sldIdLst>
     <p:sldId id="282" r:id="rId3"/>
     <p:sldId id="387" r:id="rId4"/>
-    <p:sldId id="371" r:id="rId5"/>
-    <p:sldId id="514" r:id="rId6"/>
-    <p:sldId id="427" r:id="rId7"/>
-    <p:sldId id="428" r:id="rId8"/>
-    <p:sldId id="429" r:id="rId9"/>
-    <p:sldId id="430" r:id="rId10"/>
-    <p:sldId id="434" r:id="rId11"/>
+    <p:sldId id="428" r:id="rId5"/>
+    <p:sldId id="427" r:id="rId6"/>
+    <p:sldId id="532" r:id="rId7"/>
+    <p:sldId id="533" r:id="rId8"/>
+    <p:sldId id="430" r:id="rId9"/>
+    <p:sldId id="434" r:id="rId10"/>
+    <p:sldId id="534" r:id="rId11"/>
     <p:sldId id="435" r:id="rId12"/>
     <p:sldId id="436" r:id="rId13"/>
     <p:sldId id="437" r:id="rId14"/>
@@ -87,7 +87,7 @@
     <p:sldId id="528" r:id="rId78"/>
     <p:sldId id="530" r:id="rId79"/>
     <p:sldId id="529" r:id="rId80"/>
-    <p:sldId id="388" r:id="rId81"/>
+    <p:sldId id="371" r:id="rId81"/>
     <p:sldId id="365" r:id="rId82"/>
   </p:sldIdLst>
   <p:sldSz cx="12192000" cy="6858000"/>
@@ -4633,7 +4633,7 @@
           <a:p>
             <a:fld id="{8ED8D8E7-E4ED-C44E-8758-E77C2E550289}" type="datetimeFigureOut">
               <a:rPr lang="de-DE" smtClean="0"/>
-              <a:t>11.12.2024</a:t>
+              <a:t>19.02.2025</a:t>
             </a:fld>
             <a:endParaRPr lang="de-DE"/>
           </a:p>
@@ -5179,7 +5179,7 @@
           <a:p>
             <a:fld id="{6D5CDF9B-D398-4250-A5D8-5FB8CF89A66D}" type="datetimeFigureOut">
               <a:rPr lang="de-DE" smtClean="0"/>
-              <a:t>11.12.2024</a:t>
+              <a:t>19.02.2025</a:t>
             </a:fld>
             <a:endParaRPr lang="de-DE"/>
           </a:p>
@@ -5377,7 +5377,7 @@
           <a:p>
             <a:fld id="{6D5CDF9B-D398-4250-A5D8-5FB8CF89A66D}" type="datetimeFigureOut">
               <a:rPr lang="de-DE" smtClean="0"/>
-              <a:t>11.12.2024</a:t>
+              <a:t>19.02.2025</a:t>
             </a:fld>
             <a:endParaRPr lang="de-DE"/>
           </a:p>
@@ -5585,7 +5585,7 @@
           <a:p>
             <a:fld id="{6D5CDF9B-D398-4250-A5D8-5FB8CF89A66D}" type="datetimeFigureOut">
               <a:rPr lang="de-DE" smtClean="0"/>
-              <a:t>11.12.2024</a:t>
+              <a:t>19.02.2025</a:t>
             </a:fld>
             <a:endParaRPr lang="de-DE"/>
           </a:p>
@@ -7978,7 +7978,7 @@
           <a:p>
             <a:fld id="{6D5CDF9B-D398-4250-A5D8-5FB8CF89A66D}" type="datetimeFigureOut">
               <a:rPr lang="de-DE" smtClean="0"/>
-              <a:t>11.12.2024</a:t>
+              <a:t>19.02.2025</a:t>
             </a:fld>
             <a:endParaRPr lang="de-DE"/>
           </a:p>
@@ -8771,7 +8771,7 @@
           <a:p>
             <a:fld id="{6D5CDF9B-D398-4250-A5D8-5FB8CF89A66D}" type="datetimeFigureOut">
               <a:rPr lang="de-DE" smtClean="0"/>
-              <a:t>11.12.2024</a:t>
+              <a:t>19.02.2025</a:t>
             </a:fld>
             <a:endParaRPr lang="de-DE"/>
           </a:p>
@@ -9036,7 +9036,7 @@
           <a:p>
             <a:fld id="{6D5CDF9B-D398-4250-A5D8-5FB8CF89A66D}" type="datetimeFigureOut">
               <a:rPr lang="de-DE" smtClean="0"/>
-              <a:t>11.12.2024</a:t>
+              <a:t>19.02.2025</a:t>
             </a:fld>
             <a:endParaRPr lang="de-DE"/>
           </a:p>
@@ -9448,7 +9448,7 @@
           <a:p>
             <a:fld id="{6D5CDF9B-D398-4250-A5D8-5FB8CF89A66D}" type="datetimeFigureOut">
               <a:rPr lang="de-DE" smtClean="0"/>
-              <a:t>11.12.2024</a:t>
+              <a:t>19.02.2025</a:t>
             </a:fld>
             <a:endParaRPr lang="de-DE"/>
           </a:p>
@@ -9589,7 +9589,7 @@
           <a:p>
             <a:fld id="{6D5CDF9B-D398-4250-A5D8-5FB8CF89A66D}" type="datetimeFigureOut">
               <a:rPr lang="de-DE" smtClean="0"/>
-              <a:t>11.12.2024</a:t>
+              <a:t>19.02.2025</a:t>
             </a:fld>
             <a:endParaRPr lang="de-DE"/>
           </a:p>
@@ -9702,7 +9702,7 @@
           <a:p>
             <a:fld id="{6D5CDF9B-D398-4250-A5D8-5FB8CF89A66D}" type="datetimeFigureOut">
               <a:rPr lang="de-DE" smtClean="0"/>
-              <a:t>11.12.2024</a:t>
+              <a:t>19.02.2025</a:t>
             </a:fld>
             <a:endParaRPr lang="de-DE"/>
           </a:p>
@@ -10013,7 +10013,7 @@
           <a:p>
             <a:fld id="{6D5CDF9B-D398-4250-A5D8-5FB8CF89A66D}" type="datetimeFigureOut">
               <a:rPr lang="de-DE" smtClean="0"/>
-              <a:t>11.12.2024</a:t>
+              <a:t>19.02.2025</a:t>
             </a:fld>
             <a:endParaRPr lang="de-DE"/>
           </a:p>
@@ -10301,7 +10301,7 @@
           <a:p>
             <a:fld id="{6D5CDF9B-D398-4250-A5D8-5FB8CF89A66D}" type="datetimeFigureOut">
               <a:rPr lang="de-DE" smtClean="0"/>
-              <a:t>11.12.2024</a:t>
+              <a:t>19.02.2025</a:t>
             </a:fld>
             <a:endParaRPr lang="de-DE"/>
           </a:p>
@@ -10542,7 +10542,7 @@
           <a:p>
             <a:fld id="{6D5CDF9B-D398-4250-A5D8-5FB8CF89A66D}" type="datetimeFigureOut">
               <a:rPr lang="de-DE" smtClean="0"/>
-              <a:t>11.12.2024</a:t>
+              <a:t>19.02.2025</a:t>
             </a:fld>
             <a:endParaRPr lang="de-DE"/>
           </a:p>
@@ -12898,11 +12898,49 @@
           <a:p>
             <a:r>
               <a:rPr lang="de-DE" dirty="0"/>
-              <a:t>Repräsentiert einen Service, indem es alle Ressourcen, auf die zugegriffen werden kann, ihre URIs, Namen und Operationen beinhaltet</a:t>
-            </a:r>
-          </a:p>
-        </p:txBody>
-      </p:sp>
+              <a:t>Repräsentiert einen Service, indem es alle Ressourcen (z.B. </a:t>
+            </a:r>
+            <a:r>
+              <a:rPr lang="de-DE" dirty="0" err="1"/>
+              <a:t>Entitysets</a:t>
+            </a:r>
+            <a:r>
+              <a:rPr lang="de-DE" dirty="0"/>
+              <a:t>), auf die zugegriffen werden kann, ihre URIs, Namen und Operationen beinhaltet</a:t>
+            </a:r>
+          </a:p>
+        </p:txBody>
+      </p:sp>
+      <p:pic>
+        <p:nvPicPr>
+          <p:cNvPr id="8" name="Grafik 7">
+            <a:extLst>
+              <a:ext uri="{FF2B5EF4-FFF2-40B4-BE49-F238E27FC236}">
+                <a16:creationId xmlns:a16="http://schemas.microsoft.com/office/drawing/2014/main" id="{50E91301-0800-6EBD-B479-5BEE6920268D}"/>
+              </a:ext>
+            </a:extLst>
+          </p:cNvPr>
+          <p:cNvPicPr>
+            <a:picLocks noChangeAspect="1"/>
+          </p:cNvPicPr>
+          <p:nvPr/>
+        </p:nvPicPr>
+        <p:blipFill>
+          <a:blip r:embed="rId2"/>
+          <a:stretch>
+            <a:fillRect/>
+          </a:stretch>
+        </p:blipFill>
+        <p:spPr>
+          <a:xfrm>
+            <a:off x="749808" y="2105700"/>
+            <a:ext cx="9153144" cy="3785527"/>
+          </a:xfrm>
+          <a:prstGeom prst="rect">
+            <a:avLst/>
+          </a:prstGeom>
+        </p:spPr>
+      </p:pic>
     </p:spTree>
     <p:extLst>
       <p:ext uri="{BB962C8B-B14F-4D97-AF65-F5344CB8AC3E}">
@@ -21530,14 +21568,6 @@
 <file path=ppt/slides/slide3.xml><?xml version="1.0" encoding="utf-8"?>
 <p:sld xmlns:a="http://schemas.openxmlformats.org/drawingml/2006/main" xmlns:r="http://schemas.openxmlformats.org/officeDocument/2006/relationships" xmlns:p="http://schemas.openxmlformats.org/presentationml/2006/main">
   <p:cSld>
-    <p:bg>
-      <p:bgPr>
-        <a:solidFill>
-          <a:schemeClr val="bg1"/>
-        </a:solidFill>
-        <a:effectLst/>
-      </p:bgPr>
-    </p:bg>
     <p:spTree>
       <p:nvGrpSpPr>
         <p:cNvPr id="1" name=""/>
@@ -21552,818 +21582,279 @@
           <a:chExt cx="0" cy="0"/>
         </a:xfrm>
       </p:grpSpPr>
-      <p:sp useBgFill="1">
-        <p:nvSpPr>
-          <p:cNvPr id="8" name="Rectangle 7">
+      <p:sp>
+        <p:nvSpPr>
+          <p:cNvPr id="2" name="Titel 1"/>
+          <p:cNvSpPr>
+            <a:spLocks noGrp="1"/>
+          </p:cNvSpPr>
+          <p:nvPr>
+            <p:ph type="title"/>
+          </p:nvPr>
+        </p:nvSpPr>
+        <p:spPr/>
+        <p:txBody>
+          <a:bodyPr/>
+          <a:lstStyle/>
+          <a:p>
+            <a:r>
+              <a:rPr lang="de-DE" dirty="0"/>
+              <a:t>Was ist REST?</a:t>
+            </a:r>
+          </a:p>
+        </p:txBody>
+      </p:sp>
+      <p:sp>
+        <p:nvSpPr>
+          <p:cNvPr id="6" name="Datumsplatzhalter 5"/>
+          <p:cNvSpPr>
+            <a:spLocks noGrp="1"/>
+          </p:cNvSpPr>
+          <p:nvPr>
+            <p:ph type="dt" sz="half" idx="10"/>
+          </p:nvPr>
+        </p:nvSpPr>
+        <p:spPr/>
+        <p:txBody>
+          <a:bodyPr/>
+          <a:lstStyle/>
+          <a:p>
+            <a:r>
+              <a:rPr lang="de-DE">
+                <a:solidFill>
+                  <a:srgbClr val="000000"/>
+                </a:solidFill>
+                <a:latin typeface="Arial" panose="020B0604020202020204"/>
+              </a:rPr>
+              <a:t>1.1.0324 © Cegos Integrata GmbH</a:t>
+            </a:r>
+            <a:endParaRPr lang="de-DE" dirty="0">
+              <a:solidFill>
+                <a:srgbClr val="000000"/>
+              </a:solidFill>
+              <a:latin typeface="Arial" panose="020B0604020202020204"/>
+            </a:endParaRPr>
+          </a:p>
+        </p:txBody>
+      </p:sp>
+      <p:sp>
+        <p:nvSpPr>
+          <p:cNvPr id="5" name="Fußzeilenplatzhalter 4"/>
+          <p:cNvSpPr>
+            <a:spLocks noGrp="1"/>
+          </p:cNvSpPr>
+          <p:nvPr>
+            <p:ph type="ftr" sz="quarter" idx="11"/>
+          </p:nvPr>
+        </p:nvSpPr>
+        <p:spPr/>
+        <p:txBody>
+          <a:bodyPr/>
+          <a:lstStyle/>
+          <a:p>
+            <a:r>
+              <a:rPr lang="de-DE">
+                <a:solidFill>
+                  <a:srgbClr val="000000"/>
+                </a:solidFill>
+                <a:latin typeface="Arial" panose="020B0604020202020204"/>
+              </a:rPr>
+              <a:t>Entwicklung von modernen SAPUI5 Oberflächen mit JavaScript und HTML5</a:t>
+            </a:r>
+            <a:endParaRPr lang="de-DE" dirty="0">
+              <a:solidFill>
+                <a:srgbClr val="000000"/>
+              </a:solidFill>
+              <a:latin typeface="Arial" panose="020B0604020202020204"/>
+            </a:endParaRPr>
+          </a:p>
+        </p:txBody>
+      </p:sp>
+      <p:sp>
+        <p:nvSpPr>
+          <p:cNvPr id="7" name="Foliennummernplatzhalter 6"/>
+          <p:cNvSpPr>
+            <a:spLocks noGrp="1"/>
+          </p:cNvSpPr>
+          <p:nvPr>
+            <p:ph type="sldNum" sz="quarter" idx="12"/>
+          </p:nvPr>
+        </p:nvSpPr>
+        <p:spPr/>
+        <p:txBody>
+          <a:bodyPr/>
+          <a:lstStyle/>
+          <a:p>
+            <a:r>
+              <a:rPr lang="de-DE">
+                <a:solidFill>
+                  <a:srgbClr val="000000"/>
+                </a:solidFill>
+                <a:latin typeface="Arial" panose="020B0604020202020204"/>
+              </a:rPr>
+              <a:t>Seite </a:t>
+            </a:r>
+            <a:fld id="{D22A2EFB-88EA-4F03-B9A3-82C34BC21B7C}" type="slidenum">
+              <a:rPr lang="de-DE">
+                <a:solidFill>
+                  <a:srgbClr val="000000"/>
+                </a:solidFill>
+                <a:latin typeface="Arial" panose="020B0604020202020204"/>
+              </a:rPr>
+              <a:pPr/>
+              <a:t>3</a:t>
+            </a:fld>
+            <a:endParaRPr lang="de-DE">
+              <a:solidFill>
+                <a:srgbClr val="000000"/>
+              </a:solidFill>
+              <a:latin typeface="Arial" panose="020B0604020202020204"/>
+            </a:endParaRPr>
+          </a:p>
+        </p:txBody>
+      </p:sp>
+      <p:sp>
+        <p:nvSpPr>
+          <p:cNvPr id="3" name="Inhaltsplatzhalter 2"/>
+          <p:cNvSpPr>
+            <a:spLocks noGrp="1"/>
+          </p:cNvSpPr>
+          <p:nvPr>
+            <p:ph idx="1"/>
+          </p:nvPr>
+        </p:nvSpPr>
+        <p:spPr/>
+        <p:txBody>
+          <a:bodyPr>
+            <a:normAutofit/>
+          </a:bodyPr>
+          <a:lstStyle/>
+          <a:p>
+            <a:r>
+              <a:rPr lang="de-DE" dirty="0"/>
+              <a:t>REST (</a:t>
+            </a:r>
+            <a:r>
+              <a:rPr lang="de-DE" dirty="0" err="1"/>
+              <a:t>REpresentational</a:t>
+            </a:r>
+            <a:r>
+              <a:rPr lang="de-DE" dirty="0"/>
+              <a:t> State Transfer) ist ein Software-Architekturstil, der eine Reihe von Methoden zum Aufbau einer Web </a:t>
+            </a:r>
+            <a:r>
+              <a:rPr lang="de-DE" dirty="0" err="1"/>
+              <a:t>Application</a:t>
+            </a:r>
+            <a:r>
+              <a:rPr lang="de-DE" dirty="0"/>
+              <a:t> </a:t>
+            </a:r>
+            <a:r>
+              <a:rPr lang="de-DE" dirty="0" err="1"/>
+              <a:t>Programming</a:t>
+            </a:r>
+            <a:r>
+              <a:rPr lang="de-DE" dirty="0"/>
+              <a:t> Interface (API) definiert. </a:t>
+            </a:r>
+          </a:p>
+          <a:p>
+            <a:r>
+              <a:rPr lang="de-DE" dirty="0"/>
+              <a:t>REST ist aufgrund seiner Einfachheit und Kundenfreundlichkeit eine der beliebtesten Arten von </a:t>
+            </a:r>
+            <a:r>
+              <a:rPr lang="de-DE" dirty="0" err="1"/>
+              <a:t>APIClient</a:t>
+            </a:r>
+            <a:r>
+              <a:rPr lang="de-DE" dirty="0"/>
+              <a:t>-Server-Architektur</a:t>
+            </a:r>
+          </a:p>
+          <a:p>
+            <a:r>
+              <a:rPr lang="de-DE" dirty="0"/>
+              <a:t>REST ist eine Alternative zu Verfahren wie SOAP (Simple </a:t>
+            </a:r>
+            <a:r>
+              <a:rPr lang="de-DE" dirty="0" err="1"/>
+              <a:t>Object</a:t>
+            </a:r>
+            <a:r>
+              <a:rPr lang="de-DE" dirty="0"/>
+              <a:t> Access Protocol) und WSDL (Web Services Description Language).</a:t>
+            </a:r>
+          </a:p>
+          <a:p>
+            <a:endParaRPr lang="de-DE" dirty="0"/>
+          </a:p>
+          <a:p>
+            <a:endParaRPr lang="de-DE" dirty="0"/>
+          </a:p>
+        </p:txBody>
+      </p:sp>
+      <p:pic>
+        <p:nvPicPr>
+          <p:cNvPr id="1026" name="Picture 2" descr="REST-API">
             <a:extLst>
               <a:ext uri="{FF2B5EF4-FFF2-40B4-BE49-F238E27FC236}">
-                <a16:creationId xmlns:a16="http://schemas.microsoft.com/office/drawing/2014/main" id="{100EDD19-6802-4EC3-95CE-CFFAB042CFD6}"/>
-              </a:ext>
-              <a:ext uri="{C183D7F6-B498-43B3-948B-1728B52AA6E4}">
-                <adec:decorative xmlns:adec="http://schemas.microsoft.com/office/drawing/2017/decorative" val="1"/>
+                <a16:creationId xmlns:a16="http://schemas.microsoft.com/office/drawing/2014/main" id="{72B400F5-D092-DF23-A6F9-697FBD5519E3}"/>
               </a:ext>
             </a:extLst>
           </p:cNvPr>
-          <p:cNvSpPr>
-            <a:spLocks noGrp="1" noRot="1" noChangeAspect="1" noMove="1" noResize="1" noEditPoints="1" noAdjustHandles="1" noChangeArrowheads="1" noChangeShapeType="1" noTextEdit="1"/>
-          </p:cNvSpPr>
-          <p:nvPr>
-            <p:extLst>
-              <p:ext uri="{386F3935-93C4-4BCD-93E2-E3B085C9AB24}">
-                <p16:designElem xmlns:p16="http://schemas.microsoft.com/office/powerpoint/2015/main" val="1"/>
-              </p:ext>
-            </p:extLst>
-          </p:nvPr>
-        </p:nvSpPr>
-        <p:spPr>
+          <p:cNvPicPr>
+            <a:picLocks noChangeAspect="1" noChangeArrowheads="1"/>
+          </p:cNvPicPr>
+          <p:nvPr/>
+        </p:nvPicPr>
+        <p:blipFill>
+          <a:blip r:embed="rId2">
+            <a:extLst>
+              <a:ext uri="{28A0092B-C50C-407E-A947-70E740481C1C}">
+                <a14:useLocalDpi xmlns:a14="http://schemas.microsoft.com/office/drawing/2010/main" val="0"/>
+              </a:ext>
+            </a:extLst>
+          </a:blip>
+          <a:srcRect/>
+          <a:stretch>
+            <a:fillRect/>
+          </a:stretch>
+        </p:blipFill>
+        <p:spPr bwMode="auto">
           <a:xfrm>
-            <a:off x="0" y="0"/>
-            <a:ext cx="12188952" cy="6858000"/>
+            <a:off x="1748051" y="3429000"/>
+            <a:ext cx="3848548" cy="2907792"/>
           </a:xfrm>
           <a:prstGeom prst="rect">
             <a:avLst/>
           </a:prstGeom>
-          <a:ln>
-            <a:noFill/>
-          </a:ln>
+          <a:noFill/>
+          <a:extLst>
+            <a:ext uri="{909E8E84-426E-40DD-AFC4-6F175D3DCCD1}">
+              <a14:hiddenFill xmlns:a14="http://schemas.microsoft.com/office/drawing/2010/main">
+                <a:solidFill>
+                  <a:srgbClr val="FFFFFF"/>
+                </a:solidFill>
+              </a14:hiddenFill>
+            </a:ext>
+          </a:extLst>
         </p:spPr>
-        <p:style>
-          <a:lnRef idx="2">
-            <a:schemeClr val="accent1">
-              <a:shade val="50000"/>
-            </a:schemeClr>
-          </a:lnRef>
-          <a:fillRef idx="1">
-            <a:schemeClr val="accent1"/>
-          </a:fillRef>
-          <a:effectRef idx="0">
-            <a:schemeClr val="accent1"/>
-          </a:effectRef>
-          <a:fontRef idx="minor">
-            <a:schemeClr val="lt1"/>
-          </a:fontRef>
-        </p:style>
-        <p:txBody>
-          <a:bodyPr rtlCol="0" anchor="ctr"/>
-          <a:lstStyle/>
-          <a:p>
-            <a:pPr algn="ctr"/>
-            <a:endParaRPr lang="en-US"/>
-          </a:p>
-        </p:txBody>
-      </p:sp>
-      <p:sp>
-        <p:nvSpPr>
-          <p:cNvPr id="2" name="Titel 1">
-            <a:extLst>
-              <a:ext uri="{FF2B5EF4-FFF2-40B4-BE49-F238E27FC236}">
-                <a16:creationId xmlns:a16="http://schemas.microsoft.com/office/drawing/2014/main" id="{CBD2FA14-319D-DB2F-E6CE-E8160E3BF65D}"/>
-              </a:ext>
-            </a:extLst>
-          </p:cNvPr>
-          <p:cNvSpPr>
-            <a:spLocks noGrp="1"/>
-          </p:cNvSpPr>
-          <p:nvPr>
-            <p:ph type="title"/>
-          </p:nvPr>
-        </p:nvSpPr>
-        <p:spPr>
-          <a:xfrm>
-            <a:off x="838200" y="365125"/>
-            <a:ext cx="10515600" cy="1325563"/>
-          </a:xfrm>
-        </p:spPr>
-        <p:txBody>
-          <a:bodyPr>
-            <a:normAutofit/>
-          </a:bodyPr>
-          <a:lstStyle/>
-          <a:p>
-            <a:r>
-              <a:rPr lang="de-DE" sz="5400" dirty="0" err="1"/>
-              <a:t>OData</a:t>
-            </a:r>
-            <a:r>
-              <a:rPr lang="de-DE" sz="5400" dirty="0"/>
-              <a:t> Grundlagen</a:t>
-            </a:r>
-          </a:p>
-        </p:txBody>
-      </p:sp>
-      <p:sp>
-        <p:nvSpPr>
-          <p:cNvPr id="10" name="sketch line">
-            <a:extLst>
-              <a:ext uri="{FF2B5EF4-FFF2-40B4-BE49-F238E27FC236}">
-                <a16:creationId xmlns:a16="http://schemas.microsoft.com/office/drawing/2014/main" id="{DB17E863-922E-4C26-BD64-E8FD41D28661}"/>
-              </a:ext>
-              <a:ext uri="{C183D7F6-B498-43B3-948B-1728B52AA6E4}">
-                <adec:decorative xmlns:adec="http://schemas.microsoft.com/office/drawing/2017/decorative" val="1"/>
-              </a:ext>
-            </a:extLst>
-          </p:cNvPr>
-          <p:cNvSpPr>
-            <a:spLocks noGrp="1" noRot="1" noChangeAspect="1" noMove="1" noResize="1" noEditPoints="1" noAdjustHandles="1" noChangeArrowheads="1" noChangeShapeType="1" noTextEdit="1"/>
-          </p:cNvSpPr>
-          <p:nvPr>
-            <p:extLst>
-              <p:ext uri="{386F3935-93C4-4BCD-93E2-E3B085C9AB24}">
-                <p16:designElem xmlns:p16="http://schemas.microsoft.com/office/powerpoint/2015/main" val="1"/>
-              </p:ext>
-            </p:extLst>
-          </p:nvPr>
-        </p:nvSpPr>
-        <p:spPr>
-          <a:xfrm>
-            <a:off x="669036" y="1677373"/>
-            <a:ext cx="10853928" cy="18288"/>
-          </a:xfrm>
-          <a:custGeom>
-            <a:avLst/>
-            <a:gdLst>
-              <a:gd name="connsiteX0" fmla="*/ 0 w 10853928"/>
-              <a:gd name="connsiteY0" fmla="*/ 0 h 18288"/>
-              <a:gd name="connsiteX1" fmla="*/ 461292 w 10853928"/>
-              <a:gd name="connsiteY1" fmla="*/ 0 h 18288"/>
-              <a:gd name="connsiteX2" fmla="*/ 1139662 w 10853928"/>
-              <a:gd name="connsiteY2" fmla="*/ 0 h 18288"/>
-              <a:gd name="connsiteX3" fmla="*/ 1926572 w 10853928"/>
-              <a:gd name="connsiteY3" fmla="*/ 0 h 18288"/>
-              <a:gd name="connsiteX4" fmla="*/ 2279325 w 10853928"/>
-              <a:gd name="connsiteY4" fmla="*/ 0 h 18288"/>
-              <a:gd name="connsiteX5" fmla="*/ 2632078 w 10853928"/>
-              <a:gd name="connsiteY5" fmla="*/ 0 h 18288"/>
-              <a:gd name="connsiteX6" fmla="*/ 3527527 w 10853928"/>
-              <a:gd name="connsiteY6" fmla="*/ 0 h 18288"/>
-              <a:gd name="connsiteX7" fmla="*/ 4205897 w 10853928"/>
-              <a:gd name="connsiteY7" fmla="*/ 0 h 18288"/>
-              <a:gd name="connsiteX8" fmla="*/ 4558650 w 10853928"/>
-              <a:gd name="connsiteY8" fmla="*/ 0 h 18288"/>
-              <a:gd name="connsiteX9" fmla="*/ 5237020 w 10853928"/>
-              <a:gd name="connsiteY9" fmla="*/ 0 h 18288"/>
-              <a:gd name="connsiteX10" fmla="*/ 6132469 w 10853928"/>
-              <a:gd name="connsiteY10" fmla="*/ 0 h 18288"/>
-              <a:gd name="connsiteX11" fmla="*/ 6702301 w 10853928"/>
-              <a:gd name="connsiteY11" fmla="*/ 0 h 18288"/>
-              <a:gd name="connsiteX12" fmla="*/ 7272132 w 10853928"/>
-              <a:gd name="connsiteY12" fmla="*/ 0 h 18288"/>
-              <a:gd name="connsiteX13" fmla="*/ 7950502 w 10853928"/>
-              <a:gd name="connsiteY13" fmla="*/ 0 h 18288"/>
-              <a:gd name="connsiteX14" fmla="*/ 8737412 w 10853928"/>
-              <a:gd name="connsiteY14" fmla="*/ 0 h 18288"/>
-              <a:gd name="connsiteX15" fmla="*/ 9524322 w 10853928"/>
-              <a:gd name="connsiteY15" fmla="*/ 0 h 18288"/>
-              <a:gd name="connsiteX16" fmla="*/ 10853928 w 10853928"/>
-              <a:gd name="connsiteY16" fmla="*/ 0 h 18288"/>
-              <a:gd name="connsiteX17" fmla="*/ 10853928 w 10853928"/>
-              <a:gd name="connsiteY17" fmla="*/ 18288 h 18288"/>
-              <a:gd name="connsiteX18" fmla="*/ 10392636 w 10853928"/>
-              <a:gd name="connsiteY18" fmla="*/ 18288 h 18288"/>
-              <a:gd name="connsiteX19" fmla="*/ 9497187 w 10853928"/>
-              <a:gd name="connsiteY19" fmla="*/ 18288 h 18288"/>
-              <a:gd name="connsiteX20" fmla="*/ 8818817 w 10853928"/>
-              <a:gd name="connsiteY20" fmla="*/ 18288 h 18288"/>
-              <a:gd name="connsiteX21" fmla="*/ 8466064 w 10853928"/>
-              <a:gd name="connsiteY21" fmla="*/ 18288 h 18288"/>
-              <a:gd name="connsiteX22" fmla="*/ 7787693 w 10853928"/>
-              <a:gd name="connsiteY22" fmla="*/ 18288 h 18288"/>
-              <a:gd name="connsiteX23" fmla="*/ 7217862 w 10853928"/>
-              <a:gd name="connsiteY23" fmla="*/ 18288 h 18288"/>
-              <a:gd name="connsiteX24" fmla="*/ 6648031 w 10853928"/>
-              <a:gd name="connsiteY24" fmla="*/ 18288 h 18288"/>
-              <a:gd name="connsiteX25" fmla="*/ 6078200 w 10853928"/>
-              <a:gd name="connsiteY25" fmla="*/ 18288 h 18288"/>
-              <a:gd name="connsiteX26" fmla="*/ 5508368 w 10853928"/>
-              <a:gd name="connsiteY26" fmla="*/ 18288 h 18288"/>
-              <a:gd name="connsiteX27" fmla="*/ 4721459 w 10853928"/>
-              <a:gd name="connsiteY27" fmla="*/ 18288 h 18288"/>
-              <a:gd name="connsiteX28" fmla="*/ 4043088 w 10853928"/>
-              <a:gd name="connsiteY28" fmla="*/ 18288 h 18288"/>
-              <a:gd name="connsiteX29" fmla="*/ 3690336 w 10853928"/>
-              <a:gd name="connsiteY29" fmla="*/ 18288 h 18288"/>
-              <a:gd name="connsiteX30" fmla="*/ 3120504 w 10853928"/>
-              <a:gd name="connsiteY30" fmla="*/ 18288 h 18288"/>
-              <a:gd name="connsiteX31" fmla="*/ 2333595 w 10853928"/>
-              <a:gd name="connsiteY31" fmla="*/ 18288 h 18288"/>
-              <a:gd name="connsiteX32" fmla="*/ 1872303 w 10853928"/>
-              <a:gd name="connsiteY32" fmla="*/ 18288 h 18288"/>
-              <a:gd name="connsiteX33" fmla="*/ 976854 w 10853928"/>
-              <a:gd name="connsiteY33" fmla="*/ 18288 h 18288"/>
-              <a:gd name="connsiteX34" fmla="*/ 0 w 10853928"/>
-              <a:gd name="connsiteY34" fmla="*/ 18288 h 18288"/>
-              <a:gd name="connsiteX35" fmla="*/ 0 w 10853928"/>
-              <a:gd name="connsiteY35" fmla="*/ 0 h 18288"/>
-            </a:gdLst>
-            <a:ahLst/>
-            <a:cxnLst>
-              <a:cxn ang="0">
-                <a:pos x="connsiteX0" y="connsiteY0"/>
-              </a:cxn>
-              <a:cxn ang="0">
-                <a:pos x="connsiteX1" y="connsiteY1"/>
-              </a:cxn>
-              <a:cxn ang="0">
-                <a:pos x="connsiteX2" y="connsiteY2"/>
-              </a:cxn>
-              <a:cxn ang="0">
-                <a:pos x="connsiteX3" y="connsiteY3"/>
-              </a:cxn>
-              <a:cxn ang="0">
-                <a:pos x="connsiteX4" y="connsiteY4"/>
-              </a:cxn>
-              <a:cxn ang="0">
-                <a:pos x="connsiteX5" y="connsiteY5"/>
-              </a:cxn>
-              <a:cxn ang="0">
-                <a:pos x="connsiteX6" y="connsiteY6"/>
-              </a:cxn>
-              <a:cxn ang="0">
-                <a:pos x="connsiteX7" y="connsiteY7"/>
-              </a:cxn>
-              <a:cxn ang="0">
-                <a:pos x="connsiteX8" y="connsiteY8"/>
-              </a:cxn>
-              <a:cxn ang="0">
-                <a:pos x="connsiteX9" y="connsiteY9"/>
-              </a:cxn>
-              <a:cxn ang="0">
-                <a:pos x="connsiteX10" y="connsiteY10"/>
-              </a:cxn>
-              <a:cxn ang="0">
-                <a:pos x="connsiteX11" y="connsiteY11"/>
-              </a:cxn>
-              <a:cxn ang="0">
-                <a:pos x="connsiteX12" y="connsiteY12"/>
-              </a:cxn>
-              <a:cxn ang="0">
-                <a:pos x="connsiteX13" y="connsiteY13"/>
-              </a:cxn>
-              <a:cxn ang="0">
-                <a:pos x="connsiteX14" y="connsiteY14"/>
-              </a:cxn>
-              <a:cxn ang="0">
-                <a:pos x="connsiteX15" y="connsiteY15"/>
-              </a:cxn>
-              <a:cxn ang="0">
-                <a:pos x="connsiteX16" y="connsiteY16"/>
-              </a:cxn>
-              <a:cxn ang="0">
-                <a:pos x="connsiteX17" y="connsiteY17"/>
-              </a:cxn>
-              <a:cxn ang="0">
-                <a:pos x="connsiteX18" y="connsiteY18"/>
-              </a:cxn>
-              <a:cxn ang="0">
-                <a:pos x="connsiteX19" y="connsiteY19"/>
-              </a:cxn>
-              <a:cxn ang="0">
-                <a:pos x="connsiteX20" y="connsiteY20"/>
-              </a:cxn>
-              <a:cxn ang="0">
-                <a:pos x="connsiteX21" y="connsiteY21"/>
-              </a:cxn>
-              <a:cxn ang="0">
-                <a:pos x="connsiteX22" y="connsiteY22"/>
-              </a:cxn>
-              <a:cxn ang="0">
-                <a:pos x="connsiteX23" y="connsiteY23"/>
-              </a:cxn>
-              <a:cxn ang="0">
-                <a:pos x="connsiteX24" y="connsiteY24"/>
-              </a:cxn>
-              <a:cxn ang="0">
-                <a:pos x="connsiteX25" y="connsiteY25"/>
-              </a:cxn>
-              <a:cxn ang="0">
-                <a:pos x="connsiteX26" y="connsiteY26"/>
-              </a:cxn>
-              <a:cxn ang="0">
-                <a:pos x="connsiteX27" y="connsiteY27"/>
-              </a:cxn>
-              <a:cxn ang="0">
-                <a:pos x="connsiteX28" y="connsiteY28"/>
-              </a:cxn>
-              <a:cxn ang="0">
-                <a:pos x="connsiteX29" y="connsiteY29"/>
-              </a:cxn>
-              <a:cxn ang="0">
-                <a:pos x="connsiteX30" y="connsiteY30"/>
-              </a:cxn>
-              <a:cxn ang="0">
-                <a:pos x="connsiteX31" y="connsiteY31"/>
-              </a:cxn>
-              <a:cxn ang="0">
-                <a:pos x="connsiteX32" y="connsiteY32"/>
-              </a:cxn>
-              <a:cxn ang="0">
-                <a:pos x="connsiteX33" y="connsiteY33"/>
-              </a:cxn>
-              <a:cxn ang="0">
-                <a:pos x="connsiteX34" y="connsiteY34"/>
-              </a:cxn>
-              <a:cxn ang="0">
-                <a:pos x="connsiteX35" y="connsiteY35"/>
-              </a:cxn>
-            </a:cxnLst>
-            <a:rect l="l" t="t" r="r" b="b"/>
-            <a:pathLst>
-              <a:path w="10853928" h="18288" fill="none" extrusionOk="0">
-                <a:moveTo>
-                  <a:pt x="0" y="0"/>
-                </a:moveTo>
-                <a:cubicBezTo>
-                  <a:pt x="146993" y="-19076"/>
-                  <a:pt x="347684" y="-4790"/>
-                  <a:pt x="461292" y="0"/>
-                </a:cubicBezTo>
-                <a:cubicBezTo>
-                  <a:pt x="574900" y="4790"/>
-                  <a:pt x="808367" y="19821"/>
-                  <a:pt x="1139662" y="0"/>
-                </a:cubicBezTo>
-                <a:cubicBezTo>
-                  <a:pt x="1470957" y="-19821"/>
-                  <a:pt x="1627405" y="5721"/>
-                  <a:pt x="1926572" y="0"/>
-                </a:cubicBezTo>
-                <a:cubicBezTo>
-                  <a:pt x="2225739" y="-5721"/>
-                  <a:pt x="2137730" y="-3235"/>
-                  <a:pt x="2279325" y="0"/>
-                </a:cubicBezTo>
-                <a:cubicBezTo>
-                  <a:pt x="2420920" y="3235"/>
-                  <a:pt x="2456518" y="9685"/>
-                  <a:pt x="2632078" y="0"/>
-                </a:cubicBezTo>
-                <a:cubicBezTo>
-                  <a:pt x="2807638" y="-9685"/>
-                  <a:pt x="3211516" y="-43007"/>
-                  <a:pt x="3527527" y="0"/>
-                </a:cubicBezTo>
-                <a:cubicBezTo>
-                  <a:pt x="3843538" y="43007"/>
-                  <a:pt x="4058833" y="22042"/>
-                  <a:pt x="4205897" y="0"/>
-                </a:cubicBezTo>
-                <a:cubicBezTo>
-                  <a:pt x="4352961" y="-22042"/>
-                  <a:pt x="4474805" y="-11846"/>
-                  <a:pt x="4558650" y="0"/>
-                </a:cubicBezTo>
-                <a:cubicBezTo>
-                  <a:pt x="4642495" y="11846"/>
-                  <a:pt x="5041928" y="-6069"/>
-                  <a:pt x="5237020" y="0"/>
-                </a:cubicBezTo>
-                <a:cubicBezTo>
-                  <a:pt x="5432112" y="6069"/>
-                  <a:pt x="5943266" y="-17479"/>
-                  <a:pt x="6132469" y="0"/>
-                </a:cubicBezTo>
-                <a:cubicBezTo>
-                  <a:pt x="6321672" y="17479"/>
-                  <a:pt x="6483872" y="26234"/>
-                  <a:pt x="6702301" y="0"/>
-                </a:cubicBezTo>
-                <a:cubicBezTo>
-                  <a:pt x="6920730" y="-26234"/>
-                  <a:pt x="6991194" y="-15156"/>
-                  <a:pt x="7272132" y="0"/>
-                </a:cubicBezTo>
-                <a:cubicBezTo>
-                  <a:pt x="7553070" y="15156"/>
-                  <a:pt x="7684444" y="-32961"/>
-                  <a:pt x="7950502" y="0"/>
-                </a:cubicBezTo>
-                <a:cubicBezTo>
-                  <a:pt x="8216560" y="32961"/>
-                  <a:pt x="8493290" y="-10491"/>
-                  <a:pt x="8737412" y="0"/>
-                </a:cubicBezTo>
-                <a:cubicBezTo>
-                  <a:pt x="8981534" y="10491"/>
-                  <a:pt x="9191586" y="-13899"/>
-                  <a:pt x="9524322" y="0"/>
-                </a:cubicBezTo>
-                <a:cubicBezTo>
-                  <a:pt x="9857058" y="13899"/>
-                  <a:pt x="10297509" y="7485"/>
-                  <a:pt x="10853928" y="0"/>
-                </a:cubicBezTo>
-                <a:cubicBezTo>
-                  <a:pt x="10854574" y="4451"/>
-                  <a:pt x="10854418" y="9226"/>
-                  <a:pt x="10853928" y="18288"/>
-                </a:cubicBezTo>
-                <a:cubicBezTo>
-                  <a:pt x="10691638" y="28522"/>
-                  <a:pt x="10574319" y="29578"/>
-                  <a:pt x="10392636" y="18288"/>
-                </a:cubicBezTo>
-                <a:cubicBezTo>
-                  <a:pt x="10210953" y="6998"/>
-                  <a:pt x="9836277" y="-16742"/>
-                  <a:pt x="9497187" y="18288"/>
-                </a:cubicBezTo>
-                <a:cubicBezTo>
-                  <a:pt x="9158097" y="53318"/>
-                  <a:pt x="9119479" y="30714"/>
-                  <a:pt x="8818817" y="18288"/>
-                </a:cubicBezTo>
-                <a:cubicBezTo>
-                  <a:pt x="8518155" y="5863"/>
-                  <a:pt x="8640037" y="6483"/>
-                  <a:pt x="8466064" y="18288"/>
-                </a:cubicBezTo>
-                <a:cubicBezTo>
-                  <a:pt x="8292091" y="30093"/>
-                  <a:pt x="7997656" y="18914"/>
-                  <a:pt x="7787693" y="18288"/>
-                </a:cubicBezTo>
-                <a:cubicBezTo>
-                  <a:pt x="7577730" y="17662"/>
-                  <a:pt x="7412468" y="21416"/>
-                  <a:pt x="7217862" y="18288"/>
-                </a:cubicBezTo>
-                <a:cubicBezTo>
-                  <a:pt x="7023256" y="15160"/>
-                  <a:pt x="6898018" y="14824"/>
-                  <a:pt x="6648031" y="18288"/>
-                </a:cubicBezTo>
-                <a:cubicBezTo>
-                  <a:pt x="6398044" y="21752"/>
-                  <a:pt x="6254402" y="38625"/>
-                  <a:pt x="6078200" y="18288"/>
-                </a:cubicBezTo>
-                <a:cubicBezTo>
-                  <a:pt x="5901998" y="-2049"/>
-                  <a:pt x="5622886" y="3213"/>
-                  <a:pt x="5508368" y="18288"/>
-                </a:cubicBezTo>
-                <a:cubicBezTo>
-                  <a:pt x="5393850" y="33363"/>
-                  <a:pt x="5036260" y="26830"/>
-                  <a:pt x="4721459" y="18288"/>
-                </a:cubicBezTo>
-                <a:cubicBezTo>
-                  <a:pt x="4406658" y="9746"/>
-                  <a:pt x="4239221" y="41551"/>
-                  <a:pt x="4043088" y="18288"/>
-                </a:cubicBezTo>
-                <a:cubicBezTo>
-                  <a:pt x="3846955" y="-4975"/>
-                  <a:pt x="3818802" y="34658"/>
-                  <a:pt x="3690336" y="18288"/>
-                </a:cubicBezTo>
-                <a:cubicBezTo>
-                  <a:pt x="3561870" y="1918"/>
-                  <a:pt x="3265491" y="42194"/>
-                  <a:pt x="3120504" y="18288"/>
-                </a:cubicBezTo>
-                <a:cubicBezTo>
-                  <a:pt x="2975517" y="-5618"/>
-                  <a:pt x="2720254" y="36673"/>
-                  <a:pt x="2333595" y="18288"/>
-                </a:cubicBezTo>
-                <a:cubicBezTo>
-                  <a:pt x="1946936" y="-97"/>
-                  <a:pt x="2097241" y="5776"/>
-                  <a:pt x="1872303" y="18288"/>
-                </a:cubicBezTo>
-                <a:cubicBezTo>
-                  <a:pt x="1647365" y="30800"/>
-                  <a:pt x="1282708" y="45380"/>
-                  <a:pt x="976854" y="18288"/>
-                </a:cubicBezTo>
-                <a:cubicBezTo>
-                  <a:pt x="671000" y="-8804"/>
-                  <a:pt x="408401" y="-12775"/>
-                  <a:pt x="0" y="18288"/>
-                </a:cubicBezTo>
-                <a:cubicBezTo>
-                  <a:pt x="-213" y="9468"/>
-                  <a:pt x="187" y="4459"/>
-                  <a:pt x="0" y="0"/>
-                </a:cubicBezTo>
-                <a:close/>
-              </a:path>
-              <a:path w="10853928" h="18288" stroke="0" extrusionOk="0">
-                <a:moveTo>
-                  <a:pt x="0" y="0"/>
-                </a:moveTo>
-                <a:cubicBezTo>
-                  <a:pt x="267322" y="15284"/>
-                  <a:pt x="415388" y="-21048"/>
-                  <a:pt x="569831" y="0"/>
-                </a:cubicBezTo>
-                <a:cubicBezTo>
-                  <a:pt x="724274" y="21048"/>
-                  <a:pt x="769333" y="-2353"/>
-                  <a:pt x="922584" y="0"/>
-                </a:cubicBezTo>
-                <a:cubicBezTo>
-                  <a:pt x="1075835" y="2353"/>
-                  <a:pt x="1399490" y="-145"/>
-                  <a:pt x="1818033" y="0"/>
-                </a:cubicBezTo>
-                <a:cubicBezTo>
-                  <a:pt x="2236576" y="145"/>
-                  <a:pt x="2145330" y="5482"/>
-                  <a:pt x="2387864" y="0"/>
-                </a:cubicBezTo>
-                <a:cubicBezTo>
-                  <a:pt x="2630398" y="-5482"/>
-                  <a:pt x="2793207" y="18487"/>
-                  <a:pt x="2957695" y="0"/>
-                </a:cubicBezTo>
-                <a:cubicBezTo>
-                  <a:pt x="3122183" y="-18487"/>
-                  <a:pt x="3579141" y="19003"/>
-                  <a:pt x="3853144" y="0"/>
-                </a:cubicBezTo>
-                <a:cubicBezTo>
-                  <a:pt x="4127147" y="-19003"/>
-                  <a:pt x="4209857" y="12211"/>
-                  <a:pt x="4314436" y="0"/>
-                </a:cubicBezTo>
-                <a:cubicBezTo>
-                  <a:pt x="4419015" y="-12211"/>
-                  <a:pt x="4762459" y="-17220"/>
-                  <a:pt x="5209885" y="0"/>
-                </a:cubicBezTo>
-                <a:cubicBezTo>
-                  <a:pt x="5657311" y="17220"/>
-                  <a:pt x="5692663" y="-3290"/>
-                  <a:pt x="6105335" y="0"/>
-                </a:cubicBezTo>
-                <a:cubicBezTo>
-                  <a:pt x="6518007" y="3290"/>
-                  <a:pt x="6455516" y="-5124"/>
-                  <a:pt x="6783705" y="0"/>
-                </a:cubicBezTo>
-                <a:cubicBezTo>
-                  <a:pt x="7111894" y="5124"/>
-                  <a:pt x="7441941" y="-17829"/>
-                  <a:pt x="7679154" y="0"/>
-                </a:cubicBezTo>
-                <a:cubicBezTo>
-                  <a:pt x="7916367" y="17829"/>
-                  <a:pt x="8102967" y="-24363"/>
-                  <a:pt x="8248985" y="0"/>
-                </a:cubicBezTo>
-                <a:cubicBezTo>
-                  <a:pt x="8395003" y="24363"/>
-                  <a:pt x="8552393" y="25505"/>
-                  <a:pt x="8818817" y="0"/>
-                </a:cubicBezTo>
-                <a:cubicBezTo>
-                  <a:pt x="9085241" y="-25505"/>
-                  <a:pt x="9411308" y="38000"/>
-                  <a:pt x="9605726" y="0"/>
-                </a:cubicBezTo>
-                <a:cubicBezTo>
-                  <a:pt x="9800144" y="-38000"/>
-                  <a:pt x="10006468" y="-25741"/>
-                  <a:pt x="10175558" y="0"/>
-                </a:cubicBezTo>
-                <a:cubicBezTo>
-                  <a:pt x="10344648" y="25741"/>
-                  <a:pt x="10696282" y="695"/>
-                  <a:pt x="10853928" y="0"/>
-                </a:cubicBezTo>
-                <a:cubicBezTo>
-                  <a:pt x="10853521" y="8690"/>
-                  <a:pt x="10853774" y="14141"/>
-                  <a:pt x="10853928" y="18288"/>
-                </a:cubicBezTo>
-                <a:cubicBezTo>
-                  <a:pt x="10608124" y="24255"/>
-                  <a:pt x="10343415" y="22307"/>
-                  <a:pt x="10067018" y="18288"/>
-                </a:cubicBezTo>
-                <a:cubicBezTo>
-                  <a:pt x="9790621" y="14270"/>
-                  <a:pt x="9843266" y="3564"/>
-                  <a:pt x="9714266" y="18288"/>
-                </a:cubicBezTo>
-                <a:cubicBezTo>
-                  <a:pt x="9585266" y="33012"/>
-                  <a:pt x="9379484" y="1875"/>
-                  <a:pt x="9252974" y="18288"/>
-                </a:cubicBezTo>
-                <a:cubicBezTo>
-                  <a:pt x="9126464" y="34701"/>
-                  <a:pt x="8580678" y="-4904"/>
-                  <a:pt x="8357525" y="18288"/>
-                </a:cubicBezTo>
-                <a:cubicBezTo>
-                  <a:pt x="8134372" y="41480"/>
-                  <a:pt x="7903199" y="26458"/>
-                  <a:pt x="7679154" y="18288"/>
-                </a:cubicBezTo>
-                <a:cubicBezTo>
-                  <a:pt x="7455109" y="10118"/>
-                  <a:pt x="7435944" y="27109"/>
-                  <a:pt x="7217862" y="18288"/>
-                </a:cubicBezTo>
-                <a:cubicBezTo>
-                  <a:pt x="6999780" y="9467"/>
-                  <a:pt x="6680409" y="18985"/>
-                  <a:pt x="6539492" y="18288"/>
-                </a:cubicBezTo>
-                <a:cubicBezTo>
-                  <a:pt x="6398575" y="17592"/>
-                  <a:pt x="6312077" y="33018"/>
-                  <a:pt x="6186739" y="18288"/>
-                </a:cubicBezTo>
-                <a:cubicBezTo>
-                  <a:pt x="6061401" y="3558"/>
-                  <a:pt x="5947033" y="12075"/>
-                  <a:pt x="5833986" y="18288"/>
-                </a:cubicBezTo>
-                <a:cubicBezTo>
-                  <a:pt x="5720939" y="24501"/>
-                  <a:pt x="5482226" y="8586"/>
-                  <a:pt x="5155616" y="18288"/>
-                </a:cubicBezTo>
-                <a:cubicBezTo>
-                  <a:pt x="4829006" y="27991"/>
-                  <a:pt x="4841274" y="29316"/>
-                  <a:pt x="4694324" y="18288"/>
-                </a:cubicBezTo>
-                <a:cubicBezTo>
-                  <a:pt x="4547374" y="7260"/>
-                  <a:pt x="4077675" y="7013"/>
-                  <a:pt x="3907414" y="18288"/>
-                </a:cubicBezTo>
-                <a:cubicBezTo>
-                  <a:pt x="3737153" y="29564"/>
-                  <a:pt x="3538393" y="21630"/>
-                  <a:pt x="3446122" y="18288"/>
-                </a:cubicBezTo>
-                <a:cubicBezTo>
-                  <a:pt x="3353851" y="14946"/>
-                  <a:pt x="2990320" y="-8091"/>
-                  <a:pt x="2659212" y="18288"/>
-                </a:cubicBezTo>
-                <a:cubicBezTo>
-                  <a:pt x="2328104" y="44667"/>
-                  <a:pt x="2427653" y="9607"/>
-                  <a:pt x="2306460" y="18288"/>
-                </a:cubicBezTo>
-                <a:cubicBezTo>
-                  <a:pt x="2185267" y="26969"/>
-                  <a:pt x="1719763" y="3717"/>
-                  <a:pt x="1519550" y="18288"/>
-                </a:cubicBezTo>
-                <a:cubicBezTo>
-                  <a:pt x="1319337" y="32860"/>
-                  <a:pt x="1167371" y="17040"/>
-                  <a:pt x="1058258" y="18288"/>
-                </a:cubicBezTo>
-                <a:cubicBezTo>
-                  <a:pt x="949145" y="19536"/>
-                  <a:pt x="780234" y="31447"/>
-                  <a:pt x="705505" y="18288"/>
-                </a:cubicBezTo>
-                <a:cubicBezTo>
-                  <a:pt x="630776" y="5129"/>
-                  <a:pt x="215796" y="30056"/>
-                  <a:pt x="0" y="18288"/>
-                </a:cubicBezTo>
-                <a:cubicBezTo>
-                  <a:pt x="-53" y="11301"/>
-                  <a:pt x="-649" y="7756"/>
-                  <a:pt x="0" y="0"/>
-                </a:cubicBezTo>
-                <a:close/>
-              </a:path>
-            </a:pathLst>
-          </a:custGeom>
-          <a:solidFill>
-            <a:schemeClr val="accent2"/>
-          </a:solidFill>
-          <a:ln w="41275" cap="rnd">
-            <a:solidFill>
-              <a:schemeClr val="accent2"/>
-            </a:solidFill>
-            <a:round/>
-            <a:extLst>
-              <a:ext uri="{C807C97D-BFC1-408E-A445-0C87EB9F89A2}">
-                <ask:lineSketchStyleProps xmlns:ask="http://schemas.microsoft.com/office/drawing/2018/sketchyshapes" sd="1219033472">
-                  <a:prstGeom prst="rect">
-                    <a:avLst/>
-                  </a:prstGeom>
-                  <ask:type>
-                    <ask:lineSketchFreehand/>
-                  </ask:type>
-                </ask:lineSketchStyleProps>
-              </a:ext>
-            </a:extLst>
-          </a:ln>
-        </p:spPr>
-        <p:style>
-          <a:lnRef idx="2">
-            <a:schemeClr val="accent1">
-              <a:shade val="50000"/>
-            </a:schemeClr>
-          </a:lnRef>
-          <a:fillRef idx="1">
-            <a:schemeClr val="accent1"/>
-          </a:fillRef>
-          <a:effectRef idx="0">
-            <a:schemeClr val="accent1"/>
-          </a:effectRef>
-          <a:fontRef idx="minor">
-            <a:schemeClr val="lt1"/>
-          </a:fontRef>
-        </p:style>
-        <p:txBody>
-          <a:bodyPr rtlCol="0" anchor="ctr"/>
-          <a:lstStyle/>
-          <a:p>
-            <a:pPr algn="ctr"/>
-            <a:endParaRPr lang="en-US"/>
-          </a:p>
-        </p:txBody>
-      </p:sp>
-      <p:sp>
-        <p:nvSpPr>
-          <p:cNvPr id="3" name="Inhaltsplatzhalter 2">
-            <a:extLst>
-              <a:ext uri="{FF2B5EF4-FFF2-40B4-BE49-F238E27FC236}">
-                <a16:creationId xmlns:a16="http://schemas.microsoft.com/office/drawing/2014/main" id="{1BE54DF2-41C9-929F-DC77-8C1015569BB2}"/>
-              </a:ext>
-            </a:extLst>
-          </p:cNvPr>
-          <p:cNvSpPr>
-            <a:spLocks noGrp="1"/>
-          </p:cNvSpPr>
-          <p:nvPr>
-            <p:ph idx="1"/>
-          </p:nvPr>
-        </p:nvSpPr>
-        <p:spPr>
-          <a:xfrm>
-            <a:off x="838200" y="1929384"/>
-            <a:ext cx="10515600" cy="4251960"/>
-          </a:xfrm>
-        </p:spPr>
-        <p:txBody>
-          <a:bodyPr>
-            <a:normAutofit/>
-          </a:bodyPr>
-          <a:lstStyle/>
-          <a:p>
-            <a:r>
-              <a:rPr lang="de-DE" sz="2200"/>
-              <a:t>Nenne die technologischen Innovationen von S4Hana.</a:t>
-            </a:r>
-          </a:p>
-          <a:p>
-            <a:r>
-              <a:rPr lang="de-DE" sz="2200"/>
-              <a:t>Wofür steht CRUD?</a:t>
-            </a:r>
-          </a:p>
-          <a:p>
-            <a:r>
-              <a:rPr lang="de-DE" sz="2200"/>
-              <a:t>Was ist der Unterschied zwischen dem Managed und Unmanaged Scenario?</a:t>
-            </a:r>
-          </a:p>
-          <a:p>
-            <a:r>
-              <a:rPr lang="de-DE" sz="2200"/>
-              <a:t>Was ist in Tier 1, 2 und 3 erlaubt?</a:t>
-            </a:r>
-          </a:p>
-          <a:p>
-            <a:r>
-              <a:rPr lang="de-DE" sz="2200"/>
-              <a:t>Nenne die einzelnen Schritte des SAP Implementierungs-Workflows.</a:t>
-            </a:r>
-          </a:p>
-          <a:p>
-            <a:endParaRPr lang="de-DE" sz="2200"/>
-          </a:p>
-          <a:p>
-            <a:endParaRPr lang="de-DE" sz="2200"/>
-          </a:p>
-        </p:txBody>
-      </p:sp>
+      </p:pic>
     </p:spTree>
     <p:extLst>
       <p:ext uri="{BB962C8B-B14F-4D97-AF65-F5344CB8AC3E}">
-        <p14:creationId xmlns:p14="http://schemas.microsoft.com/office/powerpoint/2010/main" val="308808531"/>
+        <p14:creationId xmlns:p14="http://schemas.microsoft.com/office/powerpoint/2010/main" val="4111899414"/>
       </p:ext>
     </p:extLst>
   </p:cSld>
   <p:clrMapOvr>
     <a:masterClrMapping/>
   </p:clrMapOvr>
+  <p:transition>
+    <p:zoom/>
+  </p:transition>
 </p:sld>
 </file>
 
@@ -26339,23 +25830,9 @@
 <file path=ppt/slides/slide4.xml><?xml version="1.0" encoding="utf-8"?>
 <p:sld xmlns:a="http://schemas.openxmlformats.org/drawingml/2006/main" xmlns:r="http://schemas.openxmlformats.org/officeDocument/2006/relationships" xmlns:p="http://schemas.openxmlformats.org/presentationml/2006/main">
   <p:cSld>
-    <p:bg>
-      <p:bgPr>
-        <a:solidFill>
-          <a:schemeClr val="bg1"/>
-        </a:solidFill>
-        <a:effectLst/>
-      </p:bgPr>
-    </p:bg>
     <p:spTree>
       <p:nvGrpSpPr>
-        <p:cNvPr id="1" name="">
-          <a:extLst>
-            <a:ext uri="{FF2B5EF4-FFF2-40B4-BE49-F238E27FC236}">
-              <a16:creationId xmlns:a16="http://schemas.microsoft.com/office/drawing/2014/main" id="{738839B8-58F5-FDA9-9F8C-29B4CE9B942E}"/>
-            </a:ext>
-          </a:extLst>
-        </p:cNvPr>
+        <p:cNvPr id="1" name=""/>
         <p:cNvGrpSpPr/>
         <p:nvPr/>
       </p:nvGrpSpPr>
@@ -26367,75 +25844,9 @@
           <a:chExt cx="0" cy="0"/>
         </a:xfrm>
       </p:grpSpPr>
-      <p:sp useBgFill="1">
-        <p:nvSpPr>
-          <p:cNvPr id="8" name="Rectangle 7">
-            <a:extLst>
-              <a:ext uri="{FF2B5EF4-FFF2-40B4-BE49-F238E27FC236}">
-                <a16:creationId xmlns:a16="http://schemas.microsoft.com/office/drawing/2014/main" id="{D177DAC4-5154-AC6C-C6FB-CDC477CC004D}"/>
-              </a:ext>
-              <a:ext uri="{C183D7F6-B498-43B3-948B-1728B52AA6E4}">
-                <adec:decorative xmlns:adec="http://schemas.microsoft.com/office/drawing/2017/decorative" val="1"/>
-              </a:ext>
-            </a:extLst>
-          </p:cNvPr>
-          <p:cNvSpPr>
-            <a:spLocks noGrp="1" noRot="1" noChangeAspect="1" noMove="1" noResize="1" noEditPoints="1" noAdjustHandles="1" noChangeArrowheads="1" noChangeShapeType="1" noTextEdit="1"/>
-          </p:cNvSpPr>
-          <p:nvPr>
-            <p:extLst>
-              <p:ext uri="{386F3935-93C4-4BCD-93E2-E3B085C9AB24}">
-                <p16:designElem xmlns:p16="http://schemas.microsoft.com/office/powerpoint/2015/main" val="1"/>
-              </p:ext>
-            </p:extLst>
-          </p:nvPr>
-        </p:nvSpPr>
-        <p:spPr>
-          <a:xfrm>
-            <a:off x="0" y="0"/>
-            <a:ext cx="12188952" cy="6858000"/>
-          </a:xfrm>
-          <a:prstGeom prst="rect">
-            <a:avLst/>
-          </a:prstGeom>
-          <a:ln>
-            <a:noFill/>
-          </a:ln>
-        </p:spPr>
-        <p:style>
-          <a:lnRef idx="2">
-            <a:schemeClr val="accent1">
-              <a:shade val="50000"/>
-            </a:schemeClr>
-          </a:lnRef>
-          <a:fillRef idx="1">
-            <a:schemeClr val="accent1"/>
-          </a:fillRef>
-          <a:effectRef idx="0">
-            <a:schemeClr val="accent1"/>
-          </a:effectRef>
-          <a:fontRef idx="minor">
-            <a:schemeClr val="lt1"/>
-          </a:fontRef>
-        </p:style>
-        <p:txBody>
-          <a:bodyPr rtlCol="0" anchor="ctr"/>
-          <a:lstStyle/>
-          <a:p>
-            <a:pPr algn="ctr"/>
-            <a:endParaRPr lang="en-US"/>
-          </a:p>
-        </p:txBody>
-      </p:sp>
-      <p:sp>
-        <p:nvSpPr>
-          <p:cNvPr id="2" name="Titel 1">
-            <a:extLst>
-              <a:ext uri="{FF2B5EF4-FFF2-40B4-BE49-F238E27FC236}">
-                <a16:creationId xmlns:a16="http://schemas.microsoft.com/office/drawing/2014/main" id="{A8C78E20-3F01-AC49-C25F-72E27C4AEDAC}"/>
-              </a:ext>
-            </a:extLst>
-          </p:cNvPr>
+      <p:sp>
+        <p:nvSpPr>
+          <p:cNvPr id="2" name="Titel 1"/>
           <p:cNvSpPr>
             <a:spLocks noGrp="1"/>
           </p:cNvSpPr>
@@ -26443,676 +25854,254 @@
             <p:ph type="title"/>
           </p:nvPr>
         </p:nvSpPr>
-        <p:spPr>
-          <a:xfrm>
-            <a:off x="838200" y="365125"/>
-            <a:ext cx="10515600" cy="1325563"/>
-          </a:xfrm>
-        </p:spPr>
-        <p:txBody>
-          <a:bodyPr>
-            <a:normAutofit/>
-          </a:bodyPr>
-          <a:lstStyle/>
-          <a:p>
-            <a:r>
-              <a:rPr lang="de-DE" sz="5400" dirty="0" err="1"/>
-              <a:t>OData</a:t>
-            </a:r>
-            <a:r>
-              <a:rPr lang="de-DE" sz="5400" dirty="0"/>
-              <a:t> Grundlagen</a:t>
-            </a:r>
-          </a:p>
-        </p:txBody>
-      </p:sp>
-      <p:sp>
-        <p:nvSpPr>
-          <p:cNvPr id="10" name="sketch line">
-            <a:extLst>
-              <a:ext uri="{FF2B5EF4-FFF2-40B4-BE49-F238E27FC236}">
-                <a16:creationId xmlns:a16="http://schemas.microsoft.com/office/drawing/2014/main" id="{C30D3C95-1969-338A-A448-10FFFBEC51E9}"/>
-              </a:ext>
-              <a:ext uri="{C183D7F6-B498-43B3-948B-1728B52AA6E4}">
-                <adec:decorative xmlns:adec="http://schemas.microsoft.com/office/drawing/2017/decorative" val="1"/>
-              </a:ext>
-            </a:extLst>
-          </p:cNvPr>
-          <p:cNvSpPr>
-            <a:spLocks noGrp="1" noRot="1" noChangeAspect="1" noMove="1" noResize="1" noEditPoints="1" noAdjustHandles="1" noChangeArrowheads="1" noChangeShapeType="1" noTextEdit="1"/>
-          </p:cNvSpPr>
-          <p:nvPr>
-            <p:extLst>
-              <p:ext uri="{386F3935-93C4-4BCD-93E2-E3B085C9AB24}">
-                <p16:designElem xmlns:p16="http://schemas.microsoft.com/office/powerpoint/2015/main" val="1"/>
-              </p:ext>
-            </p:extLst>
-          </p:nvPr>
-        </p:nvSpPr>
-        <p:spPr>
-          <a:xfrm>
-            <a:off x="669036" y="1677373"/>
-            <a:ext cx="10853928" cy="18288"/>
-          </a:xfrm>
-          <a:custGeom>
-            <a:avLst/>
-            <a:gdLst>
-              <a:gd name="connsiteX0" fmla="*/ 0 w 10853928"/>
-              <a:gd name="connsiteY0" fmla="*/ 0 h 18288"/>
-              <a:gd name="connsiteX1" fmla="*/ 461292 w 10853928"/>
-              <a:gd name="connsiteY1" fmla="*/ 0 h 18288"/>
-              <a:gd name="connsiteX2" fmla="*/ 1139662 w 10853928"/>
-              <a:gd name="connsiteY2" fmla="*/ 0 h 18288"/>
-              <a:gd name="connsiteX3" fmla="*/ 1926572 w 10853928"/>
-              <a:gd name="connsiteY3" fmla="*/ 0 h 18288"/>
-              <a:gd name="connsiteX4" fmla="*/ 2279325 w 10853928"/>
-              <a:gd name="connsiteY4" fmla="*/ 0 h 18288"/>
-              <a:gd name="connsiteX5" fmla="*/ 2632078 w 10853928"/>
-              <a:gd name="connsiteY5" fmla="*/ 0 h 18288"/>
-              <a:gd name="connsiteX6" fmla="*/ 3527527 w 10853928"/>
-              <a:gd name="connsiteY6" fmla="*/ 0 h 18288"/>
-              <a:gd name="connsiteX7" fmla="*/ 4205897 w 10853928"/>
-              <a:gd name="connsiteY7" fmla="*/ 0 h 18288"/>
-              <a:gd name="connsiteX8" fmla="*/ 4558650 w 10853928"/>
-              <a:gd name="connsiteY8" fmla="*/ 0 h 18288"/>
-              <a:gd name="connsiteX9" fmla="*/ 5237020 w 10853928"/>
-              <a:gd name="connsiteY9" fmla="*/ 0 h 18288"/>
-              <a:gd name="connsiteX10" fmla="*/ 6132469 w 10853928"/>
-              <a:gd name="connsiteY10" fmla="*/ 0 h 18288"/>
-              <a:gd name="connsiteX11" fmla="*/ 6702301 w 10853928"/>
-              <a:gd name="connsiteY11" fmla="*/ 0 h 18288"/>
-              <a:gd name="connsiteX12" fmla="*/ 7272132 w 10853928"/>
-              <a:gd name="connsiteY12" fmla="*/ 0 h 18288"/>
-              <a:gd name="connsiteX13" fmla="*/ 7950502 w 10853928"/>
-              <a:gd name="connsiteY13" fmla="*/ 0 h 18288"/>
-              <a:gd name="connsiteX14" fmla="*/ 8737412 w 10853928"/>
-              <a:gd name="connsiteY14" fmla="*/ 0 h 18288"/>
-              <a:gd name="connsiteX15" fmla="*/ 9524322 w 10853928"/>
-              <a:gd name="connsiteY15" fmla="*/ 0 h 18288"/>
-              <a:gd name="connsiteX16" fmla="*/ 10853928 w 10853928"/>
-              <a:gd name="connsiteY16" fmla="*/ 0 h 18288"/>
-              <a:gd name="connsiteX17" fmla="*/ 10853928 w 10853928"/>
-              <a:gd name="connsiteY17" fmla="*/ 18288 h 18288"/>
-              <a:gd name="connsiteX18" fmla="*/ 10392636 w 10853928"/>
-              <a:gd name="connsiteY18" fmla="*/ 18288 h 18288"/>
-              <a:gd name="connsiteX19" fmla="*/ 9497187 w 10853928"/>
-              <a:gd name="connsiteY19" fmla="*/ 18288 h 18288"/>
-              <a:gd name="connsiteX20" fmla="*/ 8818817 w 10853928"/>
-              <a:gd name="connsiteY20" fmla="*/ 18288 h 18288"/>
-              <a:gd name="connsiteX21" fmla="*/ 8466064 w 10853928"/>
-              <a:gd name="connsiteY21" fmla="*/ 18288 h 18288"/>
-              <a:gd name="connsiteX22" fmla="*/ 7787693 w 10853928"/>
-              <a:gd name="connsiteY22" fmla="*/ 18288 h 18288"/>
-              <a:gd name="connsiteX23" fmla="*/ 7217862 w 10853928"/>
-              <a:gd name="connsiteY23" fmla="*/ 18288 h 18288"/>
-              <a:gd name="connsiteX24" fmla="*/ 6648031 w 10853928"/>
-              <a:gd name="connsiteY24" fmla="*/ 18288 h 18288"/>
-              <a:gd name="connsiteX25" fmla="*/ 6078200 w 10853928"/>
-              <a:gd name="connsiteY25" fmla="*/ 18288 h 18288"/>
-              <a:gd name="connsiteX26" fmla="*/ 5508368 w 10853928"/>
-              <a:gd name="connsiteY26" fmla="*/ 18288 h 18288"/>
-              <a:gd name="connsiteX27" fmla="*/ 4721459 w 10853928"/>
-              <a:gd name="connsiteY27" fmla="*/ 18288 h 18288"/>
-              <a:gd name="connsiteX28" fmla="*/ 4043088 w 10853928"/>
-              <a:gd name="connsiteY28" fmla="*/ 18288 h 18288"/>
-              <a:gd name="connsiteX29" fmla="*/ 3690336 w 10853928"/>
-              <a:gd name="connsiteY29" fmla="*/ 18288 h 18288"/>
-              <a:gd name="connsiteX30" fmla="*/ 3120504 w 10853928"/>
-              <a:gd name="connsiteY30" fmla="*/ 18288 h 18288"/>
-              <a:gd name="connsiteX31" fmla="*/ 2333595 w 10853928"/>
-              <a:gd name="connsiteY31" fmla="*/ 18288 h 18288"/>
-              <a:gd name="connsiteX32" fmla="*/ 1872303 w 10853928"/>
-              <a:gd name="connsiteY32" fmla="*/ 18288 h 18288"/>
-              <a:gd name="connsiteX33" fmla="*/ 976854 w 10853928"/>
-              <a:gd name="connsiteY33" fmla="*/ 18288 h 18288"/>
-              <a:gd name="connsiteX34" fmla="*/ 0 w 10853928"/>
-              <a:gd name="connsiteY34" fmla="*/ 18288 h 18288"/>
-              <a:gd name="connsiteX35" fmla="*/ 0 w 10853928"/>
-              <a:gd name="connsiteY35" fmla="*/ 0 h 18288"/>
-            </a:gdLst>
-            <a:ahLst/>
-            <a:cxnLst>
-              <a:cxn ang="0">
-                <a:pos x="connsiteX0" y="connsiteY0"/>
-              </a:cxn>
-              <a:cxn ang="0">
-                <a:pos x="connsiteX1" y="connsiteY1"/>
-              </a:cxn>
-              <a:cxn ang="0">
-                <a:pos x="connsiteX2" y="connsiteY2"/>
-              </a:cxn>
-              <a:cxn ang="0">
-                <a:pos x="connsiteX3" y="connsiteY3"/>
-              </a:cxn>
-              <a:cxn ang="0">
-                <a:pos x="connsiteX4" y="connsiteY4"/>
-              </a:cxn>
-              <a:cxn ang="0">
-                <a:pos x="connsiteX5" y="connsiteY5"/>
-              </a:cxn>
-              <a:cxn ang="0">
-                <a:pos x="connsiteX6" y="connsiteY6"/>
-              </a:cxn>
-              <a:cxn ang="0">
-                <a:pos x="connsiteX7" y="connsiteY7"/>
-              </a:cxn>
-              <a:cxn ang="0">
-                <a:pos x="connsiteX8" y="connsiteY8"/>
-              </a:cxn>
-              <a:cxn ang="0">
-                <a:pos x="connsiteX9" y="connsiteY9"/>
-              </a:cxn>
-              <a:cxn ang="0">
-                <a:pos x="connsiteX10" y="connsiteY10"/>
-              </a:cxn>
-              <a:cxn ang="0">
-                <a:pos x="connsiteX11" y="connsiteY11"/>
-              </a:cxn>
-              <a:cxn ang="0">
-                <a:pos x="connsiteX12" y="connsiteY12"/>
-              </a:cxn>
-              <a:cxn ang="0">
-                <a:pos x="connsiteX13" y="connsiteY13"/>
-              </a:cxn>
-              <a:cxn ang="0">
-                <a:pos x="connsiteX14" y="connsiteY14"/>
-              </a:cxn>
-              <a:cxn ang="0">
-                <a:pos x="connsiteX15" y="connsiteY15"/>
-              </a:cxn>
-              <a:cxn ang="0">
-                <a:pos x="connsiteX16" y="connsiteY16"/>
-              </a:cxn>
-              <a:cxn ang="0">
-                <a:pos x="connsiteX17" y="connsiteY17"/>
-              </a:cxn>
-              <a:cxn ang="0">
-                <a:pos x="connsiteX18" y="connsiteY18"/>
-              </a:cxn>
-              <a:cxn ang="0">
-                <a:pos x="connsiteX19" y="connsiteY19"/>
-              </a:cxn>
-              <a:cxn ang="0">
-                <a:pos x="connsiteX20" y="connsiteY20"/>
-              </a:cxn>
-              <a:cxn ang="0">
-                <a:pos x="connsiteX21" y="connsiteY21"/>
-              </a:cxn>
-              <a:cxn ang="0">
-                <a:pos x="connsiteX22" y="connsiteY22"/>
-              </a:cxn>
-              <a:cxn ang="0">
-                <a:pos x="connsiteX23" y="connsiteY23"/>
-              </a:cxn>
-              <a:cxn ang="0">
-                <a:pos x="connsiteX24" y="connsiteY24"/>
-              </a:cxn>
-              <a:cxn ang="0">
-                <a:pos x="connsiteX25" y="connsiteY25"/>
-              </a:cxn>
-              <a:cxn ang="0">
-                <a:pos x="connsiteX26" y="connsiteY26"/>
-              </a:cxn>
-              <a:cxn ang="0">
-                <a:pos x="connsiteX27" y="connsiteY27"/>
-              </a:cxn>
-              <a:cxn ang="0">
-                <a:pos x="connsiteX28" y="connsiteY28"/>
-              </a:cxn>
-              <a:cxn ang="0">
-                <a:pos x="connsiteX29" y="connsiteY29"/>
-              </a:cxn>
-              <a:cxn ang="0">
-                <a:pos x="connsiteX30" y="connsiteY30"/>
-              </a:cxn>
-              <a:cxn ang="0">
-                <a:pos x="connsiteX31" y="connsiteY31"/>
-              </a:cxn>
-              <a:cxn ang="0">
-                <a:pos x="connsiteX32" y="connsiteY32"/>
-              </a:cxn>
-              <a:cxn ang="0">
-                <a:pos x="connsiteX33" y="connsiteY33"/>
-              </a:cxn>
-              <a:cxn ang="0">
-                <a:pos x="connsiteX34" y="connsiteY34"/>
-              </a:cxn>
-              <a:cxn ang="0">
-                <a:pos x="connsiteX35" y="connsiteY35"/>
-              </a:cxn>
-            </a:cxnLst>
-            <a:rect l="l" t="t" r="r" b="b"/>
-            <a:pathLst>
-              <a:path w="10853928" h="18288" fill="none" extrusionOk="0">
-                <a:moveTo>
-                  <a:pt x="0" y="0"/>
-                </a:moveTo>
-                <a:cubicBezTo>
-                  <a:pt x="146993" y="-19076"/>
-                  <a:pt x="347684" y="-4790"/>
-                  <a:pt x="461292" y="0"/>
-                </a:cubicBezTo>
-                <a:cubicBezTo>
-                  <a:pt x="574900" y="4790"/>
-                  <a:pt x="808367" y="19821"/>
-                  <a:pt x="1139662" y="0"/>
-                </a:cubicBezTo>
-                <a:cubicBezTo>
-                  <a:pt x="1470957" y="-19821"/>
-                  <a:pt x="1627405" y="5721"/>
-                  <a:pt x="1926572" y="0"/>
-                </a:cubicBezTo>
-                <a:cubicBezTo>
-                  <a:pt x="2225739" y="-5721"/>
-                  <a:pt x="2137730" y="-3235"/>
-                  <a:pt x="2279325" y="0"/>
-                </a:cubicBezTo>
-                <a:cubicBezTo>
-                  <a:pt x="2420920" y="3235"/>
-                  <a:pt x="2456518" y="9685"/>
-                  <a:pt x="2632078" y="0"/>
-                </a:cubicBezTo>
-                <a:cubicBezTo>
-                  <a:pt x="2807638" y="-9685"/>
-                  <a:pt x="3211516" y="-43007"/>
-                  <a:pt x="3527527" y="0"/>
-                </a:cubicBezTo>
-                <a:cubicBezTo>
-                  <a:pt x="3843538" y="43007"/>
-                  <a:pt x="4058833" y="22042"/>
-                  <a:pt x="4205897" y="0"/>
-                </a:cubicBezTo>
-                <a:cubicBezTo>
-                  <a:pt x="4352961" y="-22042"/>
-                  <a:pt x="4474805" y="-11846"/>
-                  <a:pt x="4558650" y="0"/>
-                </a:cubicBezTo>
-                <a:cubicBezTo>
-                  <a:pt x="4642495" y="11846"/>
-                  <a:pt x="5041928" y="-6069"/>
-                  <a:pt x="5237020" y="0"/>
-                </a:cubicBezTo>
-                <a:cubicBezTo>
-                  <a:pt x="5432112" y="6069"/>
-                  <a:pt x="5943266" y="-17479"/>
-                  <a:pt x="6132469" y="0"/>
-                </a:cubicBezTo>
-                <a:cubicBezTo>
-                  <a:pt x="6321672" y="17479"/>
-                  <a:pt x="6483872" y="26234"/>
-                  <a:pt x="6702301" y="0"/>
-                </a:cubicBezTo>
-                <a:cubicBezTo>
-                  <a:pt x="6920730" y="-26234"/>
-                  <a:pt x="6991194" y="-15156"/>
-                  <a:pt x="7272132" y="0"/>
-                </a:cubicBezTo>
-                <a:cubicBezTo>
-                  <a:pt x="7553070" y="15156"/>
-                  <a:pt x="7684444" y="-32961"/>
-                  <a:pt x="7950502" y="0"/>
-                </a:cubicBezTo>
-                <a:cubicBezTo>
-                  <a:pt x="8216560" y="32961"/>
-                  <a:pt x="8493290" y="-10491"/>
-                  <a:pt x="8737412" y="0"/>
-                </a:cubicBezTo>
-                <a:cubicBezTo>
-                  <a:pt x="8981534" y="10491"/>
-                  <a:pt x="9191586" y="-13899"/>
-                  <a:pt x="9524322" y="0"/>
-                </a:cubicBezTo>
-                <a:cubicBezTo>
-                  <a:pt x="9857058" y="13899"/>
-                  <a:pt x="10297509" y="7485"/>
-                  <a:pt x="10853928" y="0"/>
-                </a:cubicBezTo>
-                <a:cubicBezTo>
-                  <a:pt x="10854574" y="4451"/>
-                  <a:pt x="10854418" y="9226"/>
-                  <a:pt x="10853928" y="18288"/>
-                </a:cubicBezTo>
-                <a:cubicBezTo>
-                  <a:pt x="10691638" y="28522"/>
-                  <a:pt x="10574319" y="29578"/>
-                  <a:pt x="10392636" y="18288"/>
-                </a:cubicBezTo>
-                <a:cubicBezTo>
-                  <a:pt x="10210953" y="6998"/>
-                  <a:pt x="9836277" y="-16742"/>
-                  <a:pt x="9497187" y="18288"/>
-                </a:cubicBezTo>
-                <a:cubicBezTo>
-                  <a:pt x="9158097" y="53318"/>
-                  <a:pt x="9119479" y="30714"/>
-                  <a:pt x="8818817" y="18288"/>
-                </a:cubicBezTo>
-                <a:cubicBezTo>
-                  <a:pt x="8518155" y="5863"/>
-                  <a:pt x="8640037" y="6483"/>
-                  <a:pt x="8466064" y="18288"/>
-                </a:cubicBezTo>
-                <a:cubicBezTo>
-                  <a:pt x="8292091" y="30093"/>
-                  <a:pt x="7997656" y="18914"/>
-                  <a:pt x="7787693" y="18288"/>
-                </a:cubicBezTo>
-                <a:cubicBezTo>
-                  <a:pt x="7577730" y="17662"/>
-                  <a:pt x="7412468" y="21416"/>
-                  <a:pt x="7217862" y="18288"/>
-                </a:cubicBezTo>
-                <a:cubicBezTo>
-                  <a:pt x="7023256" y="15160"/>
-                  <a:pt x="6898018" y="14824"/>
-                  <a:pt x="6648031" y="18288"/>
-                </a:cubicBezTo>
-                <a:cubicBezTo>
-                  <a:pt x="6398044" y="21752"/>
-                  <a:pt x="6254402" y="38625"/>
-                  <a:pt x="6078200" y="18288"/>
-                </a:cubicBezTo>
-                <a:cubicBezTo>
-                  <a:pt x="5901998" y="-2049"/>
-                  <a:pt x="5622886" y="3213"/>
-                  <a:pt x="5508368" y="18288"/>
-                </a:cubicBezTo>
-                <a:cubicBezTo>
-                  <a:pt x="5393850" y="33363"/>
-                  <a:pt x="5036260" y="26830"/>
-                  <a:pt x="4721459" y="18288"/>
-                </a:cubicBezTo>
-                <a:cubicBezTo>
-                  <a:pt x="4406658" y="9746"/>
-                  <a:pt x="4239221" y="41551"/>
-                  <a:pt x="4043088" y="18288"/>
-                </a:cubicBezTo>
-                <a:cubicBezTo>
-                  <a:pt x="3846955" y="-4975"/>
-                  <a:pt x="3818802" y="34658"/>
-                  <a:pt x="3690336" y="18288"/>
-                </a:cubicBezTo>
-                <a:cubicBezTo>
-                  <a:pt x="3561870" y="1918"/>
-                  <a:pt x="3265491" y="42194"/>
-                  <a:pt x="3120504" y="18288"/>
-                </a:cubicBezTo>
-                <a:cubicBezTo>
-                  <a:pt x="2975517" y="-5618"/>
-                  <a:pt x="2720254" y="36673"/>
-                  <a:pt x="2333595" y="18288"/>
-                </a:cubicBezTo>
-                <a:cubicBezTo>
-                  <a:pt x="1946936" y="-97"/>
-                  <a:pt x="2097241" y="5776"/>
-                  <a:pt x="1872303" y="18288"/>
-                </a:cubicBezTo>
-                <a:cubicBezTo>
-                  <a:pt x="1647365" y="30800"/>
-                  <a:pt x="1282708" y="45380"/>
-                  <a:pt x="976854" y="18288"/>
-                </a:cubicBezTo>
-                <a:cubicBezTo>
-                  <a:pt x="671000" y="-8804"/>
-                  <a:pt x="408401" y="-12775"/>
-                  <a:pt x="0" y="18288"/>
-                </a:cubicBezTo>
-                <a:cubicBezTo>
-                  <a:pt x="-213" y="9468"/>
-                  <a:pt x="187" y="4459"/>
-                  <a:pt x="0" y="0"/>
-                </a:cubicBezTo>
-                <a:close/>
-              </a:path>
-              <a:path w="10853928" h="18288" stroke="0" extrusionOk="0">
-                <a:moveTo>
-                  <a:pt x="0" y="0"/>
-                </a:moveTo>
-                <a:cubicBezTo>
-                  <a:pt x="267322" y="15284"/>
-                  <a:pt x="415388" y="-21048"/>
-                  <a:pt x="569831" y="0"/>
-                </a:cubicBezTo>
-                <a:cubicBezTo>
-                  <a:pt x="724274" y="21048"/>
-                  <a:pt x="769333" y="-2353"/>
-                  <a:pt x="922584" y="0"/>
-                </a:cubicBezTo>
-                <a:cubicBezTo>
-                  <a:pt x="1075835" y="2353"/>
-                  <a:pt x="1399490" y="-145"/>
-                  <a:pt x="1818033" y="0"/>
-                </a:cubicBezTo>
-                <a:cubicBezTo>
-                  <a:pt x="2236576" y="145"/>
-                  <a:pt x="2145330" y="5482"/>
-                  <a:pt x="2387864" y="0"/>
-                </a:cubicBezTo>
-                <a:cubicBezTo>
-                  <a:pt x="2630398" y="-5482"/>
-                  <a:pt x="2793207" y="18487"/>
-                  <a:pt x="2957695" y="0"/>
-                </a:cubicBezTo>
-                <a:cubicBezTo>
-                  <a:pt x="3122183" y="-18487"/>
-                  <a:pt x="3579141" y="19003"/>
-                  <a:pt x="3853144" y="0"/>
-                </a:cubicBezTo>
-                <a:cubicBezTo>
-                  <a:pt x="4127147" y="-19003"/>
-                  <a:pt x="4209857" y="12211"/>
-                  <a:pt x="4314436" y="0"/>
-                </a:cubicBezTo>
-                <a:cubicBezTo>
-                  <a:pt x="4419015" y="-12211"/>
-                  <a:pt x="4762459" y="-17220"/>
-                  <a:pt x="5209885" y="0"/>
-                </a:cubicBezTo>
-                <a:cubicBezTo>
-                  <a:pt x="5657311" y="17220"/>
-                  <a:pt x="5692663" y="-3290"/>
-                  <a:pt x="6105335" y="0"/>
-                </a:cubicBezTo>
-                <a:cubicBezTo>
-                  <a:pt x="6518007" y="3290"/>
-                  <a:pt x="6455516" y="-5124"/>
-                  <a:pt x="6783705" y="0"/>
-                </a:cubicBezTo>
-                <a:cubicBezTo>
-                  <a:pt x="7111894" y="5124"/>
-                  <a:pt x="7441941" y="-17829"/>
-                  <a:pt x="7679154" y="0"/>
-                </a:cubicBezTo>
-                <a:cubicBezTo>
-                  <a:pt x="7916367" y="17829"/>
-                  <a:pt x="8102967" y="-24363"/>
-                  <a:pt x="8248985" y="0"/>
-                </a:cubicBezTo>
-                <a:cubicBezTo>
-                  <a:pt x="8395003" y="24363"/>
-                  <a:pt x="8552393" y="25505"/>
-                  <a:pt x="8818817" y="0"/>
-                </a:cubicBezTo>
-                <a:cubicBezTo>
-                  <a:pt x="9085241" y="-25505"/>
-                  <a:pt x="9411308" y="38000"/>
-                  <a:pt x="9605726" y="0"/>
-                </a:cubicBezTo>
-                <a:cubicBezTo>
-                  <a:pt x="9800144" y="-38000"/>
-                  <a:pt x="10006468" y="-25741"/>
-                  <a:pt x="10175558" y="0"/>
-                </a:cubicBezTo>
-                <a:cubicBezTo>
-                  <a:pt x="10344648" y="25741"/>
-                  <a:pt x="10696282" y="695"/>
-                  <a:pt x="10853928" y="0"/>
-                </a:cubicBezTo>
-                <a:cubicBezTo>
-                  <a:pt x="10853521" y="8690"/>
-                  <a:pt x="10853774" y="14141"/>
-                  <a:pt x="10853928" y="18288"/>
-                </a:cubicBezTo>
-                <a:cubicBezTo>
-                  <a:pt x="10608124" y="24255"/>
-                  <a:pt x="10343415" y="22307"/>
-                  <a:pt x="10067018" y="18288"/>
-                </a:cubicBezTo>
-                <a:cubicBezTo>
-                  <a:pt x="9790621" y="14270"/>
-                  <a:pt x="9843266" y="3564"/>
-                  <a:pt x="9714266" y="18288"/>
-                </a:cubicBezTo>
-                <a:cubicBezTo>
-                  <a:pt x="9585266" y="33012"/>
-                  <a:pt x="9379484" y="1875"/>
-                  <a:pt x="9252974" y="18288"/>
-                </a:cubicBezTo>
-                <a:cubicBezTo>
-                  <a:pt x="9126464" y="34701"/>
-                  <a:pt x="8580678" y="-4904"/>
-                  <a:pt x="8357525" y="18288"/>
-                </a:cubicBezTo>
-                <a:cubicBezTo>
-                  <a:pt x="8134372" y="41480"/>
-                  <a:pt x="7903199" y="26458"/>
-                  <a:pt x="7679154" y="18288"/>
-                </a:cubicBezTo>
-                <a:cubicBezTo>
-                  <a:pt x="7455109" y="10118"/>
-                  <a:pt x="7435944" y="27109"/>
-                  <a:pt x="7217862" y="18288"/>
-                </a:cubicBezTo>
-                <a:cubicBezTo>
-                  <a:pt x="6999780" y="9467"/>
-                  <a:pt x="6680409" y="18985"/>
-                  <a:pt x="6539492" y="18288"/>
-                </a:cubicBezTo>
-                <a:cubicBezTo>
-                  <a:pt x="6398575" y="17592"/>
-                  <a:pt x="6312077" y="33018"/>
-                  <a:pt x="6186739" y="18288"/>
-                </a:cubicBezTo>
-                <a:cubicBezTo>
-                  <a:pt x="6061401" y="3558"/>
-                  <a:pt x="5947033" y="12075"/>
-                  <a:pt x="5833986" y="18288"/>
-                </a:cubicBezTo>
-                <a:cubicBezTo>
-                  <a:pt x="5720939" y="24501"/>
-                  <a:pt x="5482226" y="8586"/>
-                  <a:pt x="5155616" y="18288"/>
-                </a:cubicBezTo>
-                <a:cubicBezTo>
-                  <a:pt x="4829006" y="27991"/>
-                  <a:pt x="4841274" y="29316"/>
-                  <a:pt x="4694324" y="18288"/>
-                </a:cubicBezTo>
-                <a:cubicBezTo>
-                  <a:pt x="4547374" y="7260"/>
-                  <a:pt x="4077675" y="7013"/>
-                  <a:pt x="3907414" y="18288"/>
-                </a:cubicBezTo>
-                <a:cubicBezTo>
-                  <a:pt x="3737153" y="29564"/>
-                  <a:pt x="3538393" y="21630"/>
-                  <a:pt x="3446122" y="18288"/>
-                </a:cubicBezTo>
-                <a:cubicBezTo>
-                  <a:pt x="3353851" y="14946"/>
-                  <a:pt x="2990320" y="-8091"/>
-                  <a:pt x="2659212" y="18288"/>
-                </a:cubicBezTo>
-                <a:cubicBezTo>
-                  <a:pt x="2328104" y="44667"/>
-                  <a:pt x="2427653" y="9607"/>
-                  <a:pt x="2306460" y="18288"/>
-                </a:cubicBezTo>
-                <a:cubicBezTo>
-                  <a:pt x="2185267" y="26969"/>
-                  <a:pt x="1719763" y="3717"/>
-                  <a:pt x="1519550" y="18288"/>
-                </a:cubicBezTo>
-                <a:cubicBezTo>
-                  <a:pt x="1319337" y="32860"/>
-                  <a:pt x="1167371" y="17040"/>
-                  <a:pt x="1058258" y="18288"/>
-                </a:cubicBezTo>
-                <a:cubicBezTo>
-                  <a:pt x="949145" y="19536"/>
-                  <a:pt x="780234" y="31447"/>
-                  <a:pt x="705505" y="18288"/>
-                </a:cubicBezTo>
-                <a:cubicBezTo>
-                  <a:pt x="630776" y="5129"/>
-                  <a:pt x="215796" y="30056"/>
-                  <a:pt x="0" y="18288"/>
-                </a:cubicBezTo>
-                <a:cubicBezTo>
-                  <a:pt x="-53" y="11301"/>
-                  <a:pt x="-649" y="7756"/>
-                  <a:pt x="0" y="0"/>
-                </a:cubicBezTo>
-                <a:close/>
-              </a:path>
-            </a:pathLst>
-          </a:custGeom>
-          <a:solidFill>
-            <a:schemeClr val="accent2"/>
-          </a:solidFill>
-          <a:ln w="41275" cap="rnd">
-            <a:solidFill>
-              <a:schemeClr val="accent2"/>
-            </a:solidFill>
-            <a:round/>
-            <a:extLst>
-              <a:ext uri="{C807C97D-BFC1-408E-A445-0C87EB9F89A2}">
-                <ask:lineSketchStyleProps xmlns:ask="http://schemas.microsoft.com/office/drawing/2018/sketchyshapes" sd="1219033472">
-                  <a:prstGeom prst="rect">
-                    <a:avLst/>
-                  </a:prstGeom>
-                  <ask:type>
-                    <ask:lineSketchFreehand/>
-                  </ask:type>
-                </ask:lineSketchStyleProps>
-              </a:ext>
-            </a:extLst>
-          </a:ln>
-        </p:spPr>
-        <p:style>
-          <a:lnRef idx="2">
-            <a:schemeClr val="accent1">
-              <a:shade val="50000"/>
-            </a:schemeClr>
-          </a:lnRef>
-          <a:fillRef idx="1">
-            <a:schemeClr val="accent1"/>
-          </a:fillRef>
-          <a:effectRef idx="0">
-            <a:schemeClr val="accent1"/>
-          </a:effectRef>
-          <a:fontRef idx="minor">
-            <a:schemeClr val="lt1"/>
-          </a:fontRef>
-        </p:style>
-        <p:txBody>
-          <a:bodyPr rtlCol="0" anchor="ctr"/>
-          <a:lstStyle/>
-          <a:p>
-            <a:pPr algn="ctr"/>
-            <a:endParaRPr lang="en-US"/>
-          </a:p>
-        </p:txBody>
-      </p:sp>
-      <p:sp>
-        <p:nvSpPr>
-          <p:cNvPr id="3" name="Inhaltsplatzhalter 2">
-            <a:extLst>
-              <a:ext uri="{FF2B5EF4-FFF2-40B4-BE49-F238E27FC236}">
-                <a16:creationId xmlns:a16="http://schemas.microsoft.com/office/drawing/2014/main" id="{846E93B2-37AB-D152-65A5-470A2FBD1F4E}"/>
-              </a:ext>
-            </a:extLst>
-          </p:cNvPr>
+        <p:spPr/>
+        <p:txBody>
+          <a:bodyPr/>
+          <a:lstStyle/>
+          <a:p>
+            <a:r>
+              <a:rPr lang="de-DE"/>
+              <a:t>Charakteristiken von REST (1)</a:t>
+            </a:r>
+            <a:endParaRPr lang="de-DE" dirty="0"/>
+          </a:p>
+        </p:txBody>
+      </p:sp>
+      <p:sp>
+        <p:nvSpPr>
+          <p:cNvPr id="6" name="Datumsplatzhalter 5"/>
+          <p:cNvSpPr>
+            <a:spLocks noGrp="1"/>
+          </p:cNvSpPr>
+          <p:nvPr>
+            <p:ph type="dt" sz="half" idx="10"/>
+          </p:nvPr>
+        </p:nvSpPr>
+        <p:spPr/>
+        <p:txBody>
+          <a:bodyPr/>
+          <a:lstStyle/>
+          <a:p>
+            <a:pPr marL="0" marR="0" lvl="0" indent="0" algn="l" defTabSz="914400" rtl="0" eaLnBrk="1" fontAlgn="auto" latinLnBrk="0" hangingPunct="1">
+              <a:lnSpc>
+                <a:spcPct val="100000"/>
+              </a:lnSpc>
+              <a:spcBef>
+                <a:spcPts val="0"/>
+              </a:spcBef>
+              <a:spcAft>
+                <a:spcPts val="0"/>
+              </a:spcAft>
+              <a:buClrTx/>
+              <a:buSzTx/>
+              <a:buFontTx/>
+              <a:buNone/>
+              <a:tabLst/>
+              <a:defRPr/>
+            </a:pPr>
+            <a:r>
+              <a:rPr kumimoji="0" lang="de-DE" sz="1000" b="0" i="0" u="none" strike="noStrike" kern="1200" cap="none" spc="0" normalizeH="0" baseline="0" noProof="0">
+                <a:ln>
+                  <a:noFill/>
+                </a:ln>
+                <a:solidFill>
+                  <a:srgbClr val="000000"/>
+                </a:solidFill>
+                <a:effectLst/>
+                <a:uLnTx/>
+                <a:uFillTx/>
+                <a:latin typeface="Arial" panose="020B0604020202020204"/>
+                <a:ea typeface="+mn-ea"/>
+                <a:cs typeface="+mn-cs"/>
+              </a:rPr>
+              <a:t>1.1.0324 © Cegos Integrata GmbH</a:t>
+            </a:r>
+            <a:endParaRPr kumimoji="0" lang="de-DE" sz="1000" b="0" i="0" u="none" strike="noStrike" kern="1200" cap="none" spc="0" normalizeH="0" baseline="0" noProof="0" dirty="0">
+              <a:ln>
+                <a:noFill/>
+              </a:ln>
+              <a:solidFill>
+                <a:srgbClr val="000000"/>
+              </a:solidFill>
+              <a:effectLst/>
+              <a:uLnTx/>
+              <a:uFillTx/>
+              <a:latin typeface="Arial" panose="020B0604020202020204"/>
+              <a:ea typeface="+mn-ea"/>
+              <a:cs typeface="+mn-cs"/>
+            </a:endParaRPr>
+          </a:p>
+        </p:txBody>
+      </p:sp>
+      <p:sp>
+        <p:nvSpPr>
+          <p:cNvPr id="5" name="Fußzeilenplatzhalter 4"/>
+          <p:cNvSpPr>
+            <a:spLocks noGrp="1"/>
+          </p:cNvSpPr>
+          <p:nvPr>
+            <p:ph type="ftr" sz="quarter" idx="11"/>
+          </p:nvPr>
+        </p:nvSpPr>
+        <p:spPr/>
+        <p:txBody>
+          <a:bodyPr/>
+          <a:lstStyle/>
+          <a:p>
+            <a:pPr marL="0" marR="0" lvl="0" indent="0" algn="ctr" defTabSz="914400" rtl="0" eaLnBrk="1" fontAlgn="auto" latinLnBrk="0" hangingPunct="1">
+              <a:lnSpc>
+                <a:spcPct val="100000"/>
+              </a:lnSpc>
+              <a:spcBef>
+                <a:spcPts val="0"/>
+              </a:spcBef>
+              <a:spcAft>
+                <a:spcPts val="0"/>
+              </a:spcAft>
+              <a:buClrTx/>
+              <a:buSzTx/>
+              <a:buFontTx/>
+              <a:buNone/>
+              <a:tabLst/>
+              <a:defRPr/>
+            </a:pPr>
+            <a:r>
+              <a:rPr kumimoji="0" lang="de-DE" sz="1000" b="0" i="0" u="none" strike="noStrike" kern="1200" cap="none" spc="0" normalizeH="0" baseline="0" noProof="0">
+                <a:ln>
+                  <a:noFill/>
+                </a:ln>
+                <a:solidFill>
+                  <a:srgbClr val="000000"/>
+                </a:solidFill>
+                <a:effectLst/>
+                <a:uLnTx/>
+                <a:uFillTx/>
+                <a:latin typeface="Arial" panose="020B0604020202020204"/>
+                <a:ea typeface="+mn-ea"/>
+                <a:cs typeface="+mn-cs"/>
+              </a:rPr>
+              <a:t>Entwicklung von modernen SAPUI5 Oberflächen mit JavaScript und HTML5</a:t>
+            </a:r>
+            <a:endParaRPr kumimoji="0" lang="de-DE" sz="1000" b="0" i="0" u="none" strike="noStrike" kern="1200" cap="none" spc="0" normalizeH="0" baseline="0" noProof="0" dirty="0">
+              <a:ln>
+                <a:noFill/>
+              </a:ln>
+              <a:solidFill>
+                <a:srgbClr val="000000"/>
+              </a:solidFill>
+              <a:effectLst/>
+              <a:uLnTx/>
+              <a:uFillTx/>
+              <a:latin typeface="Arial" panose="020B0604020202020204"/>
+              <a:ea typeface="+mn-ea"/>
+              <a:cs typeface="+mn-cs"/>
+            </a:endParaRPr>
+          </a:p>
+        </p:txBody>
+      </p:sp>
+      <p:sp>
+        <p:nvSpPr>
+          <p:cNvPr id="7" name="Foliennummernplatzhalter 6"/>
+          <p:cNvSpPr>
+            <a:spLocks noGrp="1"/>
+          </p:cNvSpPr>
+          <p:nvPr>
+            <p:ph type="sldNum" sz="quarter" idx="12"/>
+          </p:nvPr>
+        </p:nvSpPr>
+        <p:spPr/>
+        <p:txBody>
+          <a:bodyPr/>
+          <a:lstStyle/>
+          <a:p>
+            <a:pPr marL="0" marR="0" lvl="0" indent="0" algn="r" defTabSz="914400" rtl="0" eaLnBrk="1" fontAlgn="auto" latinLnBrk="0" hangingPunct="1">
+              <a:lnSpc>
+                <a:spcPct val="100000"/>
+              </a:lnSpc>
+              <a:spcBef>
+                <a:spcPts val="0"/>
+              </a:spcBef>
+              <a:spcAft>
+                <a:spcPts val="0"/>
+              </a:spcAft>
+              <a:buClrTx/>
+              <a:buSzTx/>
+              <a:buFontTx/>
+              <a:buNone/>
+              <a:tabLst/>
+              <a:defRPr/>
+            </a:pPr>
+            <a:r>
+              <a:rPr kumimoji="0" lang="de-DE" sz="1000" b="0" i="0" u="none" strike="noStrike" kern="1200" cap="none" spc="0" normalizeH="0" baseline="0" noProof="0">
+                <a:ln>
+                  <a:noFill/>
+                </a:ln>
+                <a:solidFill>
+                  <a:srgbClr val="000000"/>
+                </a:solidFill>
+                <a:effectLst/>
+                <a:uLnTx/>
+                <a:uFillTx/>
+                <a:latin typeface="Arial" panose="020B0604020202020204"/>
+                <a:ea typeface="+mn-ea"/>
+                <a:cs typeface="+mn-cs"/>
+              </a:rPr>
+              <a:t>Seite </a:t>
+            </a:r>
+            <a:fld id="{D22A2EFB-88EA-4F03-B9A3-82C34BC21B7C}" type="slidenum">
+              <a:rPr kumimoji="0" lang="de-DE" sz="1000" b="0" i="0" u="none" strike="noStrike" kern="1200" cap="none" spc="0" normalizeH="0" baseline="0" noProof="0">
+                <a:ln>
+                  <a:noFill/>
+                </a:ln>
+                <a:solidFill>
+                  <a:srgbClr val="000000"/>
+                </a:solidFill>
+                <a:effectLst/>
+                <a:uLnTx/>
+                <a:uFillTx/>
+                <a:latin typeface="Arial" panose="020B0604020202020204"/>
+                <a:ea typeface="+mn-ea"/>
+                <a:cs typeface="+mn-cs"/>
+              </a:rPr>
+              <a:pPr marL="0" marR="0" lvl="0" indent="0" algn="r" defTabSz="914400" rtl="0" eaLnBrk="1" fontAlgn="auto" latinLnBrk="0" hangingPunct="1">
+                <a:lnSpc>
+                  <a:spcPct val="100000"/>
+                </a:lnSpc>
+                <a:spcBef>
+                  <a:spcPts val="0"/>
+                </a:spcBef>
+                <a:spcAft>
+                  <a:spcPts val="0"/>
+                </a:spcAft>
+                <a:buClrTx/>
+                <a:buSzTx/>
+                <a:buFontTx/>
+                <a:buNone/>
+                <a:tabLst/>
+                <a:defRPr/>
+              </a:pPr>
+              <a:t>4</a:t>
+            </a:fld>
+            <a:endParaRPr kumimoji="0" lang="de-DE" sz="1000" b="0" i="0" u="none" strike="noStrike" kern="1200" cap="none" spc="0" normalizeH="0" baseline="0" noProof="0">
+              <a:ln>
+                <a:noFill/>
+              </a:ln>
+              <a:solidFill>
+                <a:srgbClr val="000000"/>
+              </a:solidFill>
+              <a:effectLst/>
+              <a:uLnTx/>
+              <a:uFillTx/>
+              <a:latin typeface="Arial" panose="020B0604020202020204"/>
+              <a:ea typeface="+mn-ea"/>
+              <a:cs typeface="+mn-cs"/>
+            </a:endParaRPr>
+          </a:p>
+        </p:txBody>
+      </p:sp>
+      <p:sp>
+        <p:nvSpPr>
+          <p:cNvPr id="3" name="Inhaltsplatzhalter 2"/>
           <p:cNvSpPr>
             <a:spLocks noGrp="1"/>
           </p:cNvSpPr>
@@ -27120,65 +26109,96 @@
             <p:ph idx="1"/>
           </p:nvPr>
         </p:nvSpPr>
-        <p:spPr>
-          <a:xfrm>
-            <a:off x="838200" y="1929384"/>
-            <a:ext cx="10515600" cy="4251960"/>
-          </a:xfrm>
-        </p:spPr>
-        <p:txBody>
-          <a:bodyPr>
-            <a:normAutofit/>
-          </a:bodyPr>
-          <a:lstStyle/>
-          <a:p>
-            <a:r>
-              <a:rPr lang="de-DE" sz="2200"/>
-              <a:t>Nenne die technologischen Innovationen von S4Hana.</a:t>
-            </a:r>
-          </a:p>
-          <a:p>
-            <a:r>
-              <a:rPr lang="de-DE" sz="2200"/>
-              <a:t>Wofür steht CRUD?</a:t>
-            </a:r>
-          </a:p>
-          <a:p>
-            <a:r>
-              <a:rPr lang="de-DE" sz="2200"/>
-              <a:t>Was ist der Unterschied zwischen dem Managed und Unmanaged Scenario?</a:t>
-            </a:r>
-          </a:p>
-          <a:p>
-            <a:r>
-              <a:rPr lang="de-DE" sz="2200"/>
-              <a:t>Was ist in Tier 1, 2 und 3 erlaubt?</a:t>
-            </a:r>
-          </a:p>
-          <a:p>
-            <a:r>
-              <a:rPr lang="de-DE" sz="2200"/>
-              <a:t>Nenne die einzelnen Schritte des SAP Implementierungs-Workflows.</a:t>
-            </a:r>
-          </a:p>
-          <a:p>
-            <a:endParaRPr lang="de-DE" sz="2200"/>
-          </a:p>
-          <a:p>
-            <a:endParaRPr lang="de-DE" sz="2200"/>
+        <p:spPr/>
+        <p:txBody>
+          <a:bodyPr/>
+          <a:lstStyle/>
+          <a:p>
+            <a:r>
+              <a:rPr lang="en-US" dirty="0"/>
+              <a:t>Resources:</a:t>
+            </a:r>
+          </a:p>
+          <a:p>
+            <a:pPr lvl="1"/>
+            <a:r>
+              <a:rPr lang="en-US" dirty="0"/>
+              <a:t>Code on Demand</a:t>
+            </a:r>
+          </a:p>
+          <a:p>
+            <a:pPr lvl="1"/>
+            <a:r>
+              <a:rPr lang="en-US" dirty="0"/>
+              <a:t>Uniform Interface</a:t>
+            </a:r>
+          </a:p>
+          <a:p>
+            <a:pPr lvl="2"/>
+            <a:r>
+              <a:rPr lang="en-US" dirty="0"/>
+              <a:t>Methods</a:t>
+            </a:r>
+          </a:p>
+          <a:p>
+            <a:pPr lvl="2"/>
+            <a:r>
+              <a:rPr lang="en-US" dirty="0"/>
+              <a:t>Representation</a:t>
+            </a:r>
+          </a:p>
+          <a:p>
+            <a:r>
+              <a:rPr lang="en-US" dirty="0"/>
+              <a:t>Protocol</a:t>
+            </a:r>
+          </a:p>
+          <a:p>
+            <a:pPr lvl="1"/>
+            <a:r>
+              <a:rPr lang="en-US" dirty="0"/>
+              <a:t>Client-Server</a:t>
+            </a:r>
+          </a:p>
+          <a:p>
+            <a:pPr lvl="1"/>
+            <a:r>
+              <a:rPr lang="en-US" dirty="0"/>
+              <a:t>Stateless</a:t>
+            </a:r>
+          </a:p>
+          <a:p>
+            <a:pPr lvl="1"/>
+            <a:r>
+              <a:rPr lang="en-US" dirty="0"/>
+              <a:t>Cacheable</a:t>
+            </a:r>
+          </a:p>
+          <a:p>
+            <a:pPr lvl="1"/>
+            <a:r>
+              <a:rPr lang="en-US" dirty="0"/>
+              <a:t>Layered</a:t>
+            </a:r>
+          </a:p>
+          <a:p>
+            <a:endParaRPr lang="de-DE" dirty="0"/>
           </a:p>
         </p:txBody>
       </p:sp>
     </p:spTree>
     <p:extLst>
       <p:ext uri="{BB962C8B-B14F-4D97-AF65-F5344CB8AC3E}">
-        <p14:creationId xmlns:p14="http://schemas.microsoft.com/office/powerpoint/2010/main" val="2867521688"/>
+        <p14:creationId xmlns:p14="http://schemas.microsoft.com/office/powerpoint/2010/main" val="227822394"/>
       </p:ext>
     </p:extLst>
   </p:cSld>
   <p:clrMapOvr>
     <a:masterClrMapping/>
   </p:clrMapOvr>
+  <p:transition>
+    <p:zoom/>
+  </p:transition>
 </p:sld>
 </file>
 
@@ -32591,7 +31611,7 @@
           <a:p>
             <a:r>
               <a:rPr lang="de-DE"/>
-              <a:t>Charakteristiken von REST (1)</a:t>
+              <a:t>Charakteristiken von REST (2)</a:t>
             </a:r>
             <a:endParaRPr lang="de-DE" dirty="0"/>
           </a:p>
@@ -32612,20 +31632,53 @@
           <a:bodyPr/>
           <a:lstStyle/>
           <a:p>
-            <a:r>
-              <a:rPr lang="de-DE">
+            <a:pPr marL="0" marR="0" lvl="0" indent="0" algn="l" defTabSz="914400" rtl="0" eaLnBrk="1" fontAlgn="auto" latinLnBrk="0" hangingPunct="1">
+              <a:lnSpc>
+                <a:spcPct val="100000"/>
+              </a:lnSpc>
+              <a:spcBef>
+                <a:spcPts val="0"/>
+              </a:spcBef>
+              <a:spcAft>
+                <a:spcPts val="0"/>
+              </a:spcAft>
+              <a:buClrTx/>
+              <a:buSzTx/>
+              <a:buFontTx/>
+              <a:buNone/>
+              <a:tabLst/>
+              <a:defRPr/>
+            </a:pPr>
+            <a:r>
+              <a:rPr kumimoji="0" lang="de-DE" sz="1000" b="0" i="0" u="none" strike="noStrike" kern="1200" cap="none" spc="0" normalizeH="0" baseline="0" noProof="0">
+                <a:ln>
+                  <a:noFill/>
+                </a:ln>
                 <a:solidFill>
                   <a:srgbClr val="000000"/>
                 </a:solidFill>
+                <a:effectLst/>
+                <a:uLnTx/>
+                <a:uFillTx/>
                 <a:latin typeface="Arial" panose="020B0604020202020204"/>
+                <a:ea typeface="+mn-ea"/>
+                <a:cs typeface="+mn-cs"/>
               </a:rPr>
               <a:t>1.1.0324 © Cegos Integrata GmbH</a:t>
             </a:r>
-            <a:endParaRPr lang="de-DE" dirty="0">
+            <a:endParaRPr kumimoji="0" lang="de-DE" sz="1000" b="0" i="0" u="none" strike="noStrike" kern="1200" cap="none" spc="0" normalizeH="0" baseline="0" noProof="0" dirty="0">
+              <a:ln>
+                <a:noFill/>
+              </a:ln>
               <a:solidFill>
                 <a:srgbClr val="000000"/>
               </a:solidFill>
+              <a:effectLst/>
+              <a:uLnTx/>
+              <a:uFillTx/>
               <a:latin typeface="Arial" panose="020B0604020202020204"/>
+              <a:ea typeface="+mn-ea"/>
+              <a:cs typeface="+mn-cs"/>
             </a:endParaRPr>
           </a:p>
         </p:txBody>
@@ -32645,20 +31698,53 @@
           <a:bodyPr/>
           <a:lstStyle/>
           <a:p>
-            <a:r>
-              <a:rPr lang="de-DE">
+            <a:pPr marL="0" marR="0" lvl="0" indent="0" algn="ctr" defTabSz="914400" rtl="0" eaLnBrk="1" fontAlgn="auto" latinLnBrk="0" hangingPunct="1">
+              <a:lnSpc>
+                <a:spcPct val="100000"/>
+              </a:lnSpc>
+              <a:spcBef>
+                <a:spcPts val="0"/>
+              </a:spcBef>
+              <a:spcAft>
+                <a:spcPts val="0"/>
+              </a:spcAft>
+              <a:buClrTx/>
+              <a:buSzTx/>
+              <a:buFontTx/>
+              <a:buNone/>
+              <a:tabLst/>
+              <a:defRPr/>
+            </a:pPr>
+            <a:r>
+              <a:rPr kumimoji="0" lang="de-DE" sz="1000" b="0" i="0" u="none" strike="noStrike" kern="1200" cap="none" spc="0" normalizeH="0" baseline="0" noProof="0">
+                <a:ln>
+                  <a:noFill/>
+                </a:ln>
                 <a:solidFill>
                   <a:srgbClr val="000000"/>
                 </a:solidFill>
+                <a:effectLst/>
+                <a:uLnTx/>
+                <a:uFillTx/>
                 <a:latin typeface="Arial" panose="020B0604020202020204"/>
+                <a:ea typeface="+mn-ea"/>
+                <a:cs typeface="+mn-cs"/>
               </a:rPr>
               <a:t>Entwicklung von modernen SAPUI5 Oberflächen mit JavaScript und HTML5</a:t>
             </a:r>
-            <a:endParaRPr lang="de-DE" dirty="0">
+            <a:endParaRPr kumimoji="0" lang="de-DE" sz="1000" b="0" i="0" u="none" strike="noStrike" kern="1200" cap="none" spc="0" normalizeH="0" baseline="0" noProof="0" dirty="0">
+              <a:ln>
+                <a:noFill/>
+              </a:ln>
               <a:solidFill>
                 <a:srgbClr val="000000"/>
               </a:solidFill>
+              <a:effectLst/>
+              <a:uLnTx/>
+              <a:uFillTx/>
               <a:latin typeface="Arial" panose="020B0604020202020204"/>
+              <a:ea typeface="+mn-ea"/>
+              <a:cs typeface="+mn-cs"/>
             </a:endParaRPr>
           </a:p>
         </p:txBody>
@@ -32678,30 +31764,87 @@
           <a:bodyPr/>
           <a:lstStyle/>
           <a:p>
-            <a:r>
-              <a:rPr lang="de-DE">
+            <a:pPr marL="0" marR="0" lvl="0" indent="0" algn="r" defTabSz="914400" rtl="0" eaLnBrk="1" fontAlgn="auto" latinLnBrk="0" hangingPunct="1">
+              <a:lnSpc>
+                <a:spcPct val="100000"/>
+              </a:lnSpc>
+              <a:spcBef>
+                <a:spcPts val="0"/>
+              </a:spcBef>
+              <a:spcAft>
+                <a:spcPts val="0"/>
+              </a:spcAft>
+              <a:buClrTx/>
+              <a:buSzTx/>
+              <a:buFontTx/>
+              <a:buNone/>
+              <a:tabLst/>
+              <a:defRPr/>
+            </a:pPr>
+            <a:r>
+              <a:rPr kumimoji="0" lang="de-DE" sz="1000" b="0" i="0" u="none" strike="noStrike" kern="1200" cap="none" spc="0" normalizeH="0" baseline="0" noProof="0">
+                <a:ln>
+                  <a:noFill/>
+                </a:ln>
                 <a:solidFill>
                   <a:srgbClr val="000000"/>
                 </a:solidFill>
+                <a:effectLst/>
+                <a:uLnTx/>
+                <a:uFillTx/>
                 <a:latin typeface="Arial" panose="020B0604020202020204"/>
+                <a:ea typeface="+mn-ea"/>
+                <a:cs typeface="+mn-cs"/>
               </a:rPr>
               <a:t>Seite </a:t>
             </a:r>
             <a:fld id="{D22A2EFB-88EA-4F03-B9A3-82C34BC21B7C}" type="slidenum">
-              <a:rPr lang="de-DE">
+              <a:rPr kumimoji="0" lang="de-DE" sz="1000" b="0" i="0" u="none" strike="noStrike" kern="1200" cap="none" spc="0" normalizeH="0" baseline="0" noProof="0">
+                <a:ln>
+                  <a:noFill/>
+                </a:ln>
                 <a:solidFill>
                   <a:srgbClr val="000000"/>
                 </a:solidFill>
+                <a:effectLst/>
+                <a:uLnTx/>
+                <a:uFillTx/>
                 <a:latin typeface="Arial" panose="020B0604020202020204"/>
-              </a:rPr>
-              <a:pPr/>
+                <a:ea typeface="+mn-ea"/>
+                <a:cs typeface="+mn-cs"/>
+              </a:rPr>
+              <a:pPr marL="0" marR="0" lvl="0" indent="0" algn="r" defTabSz="914400" rtl="0" eaLnBrk="1" fontAlgn="auto" latinLnBrk="0" hangingPunct="1">
+                <a:lnSpc>
+                  <a:spcPct val="100000"/>
+                </a:lnSpc>
+                <a:spcBef>
+                  <a:spcPts val="0"/>
+                </a:spcBef>
+                <a:spcAft>
+                  <a:spcPts val="0"/>
+                </a:spcAft>
+                <a:buClrTx/>
+                <a:buSzTx/>
+                <a:buFontTx/>
+                <a:buNone/>
+                <a:tabLst/>
+                <a:defRPr/>
+              </a:pPr>
               <a:t>5</a:t>
             </a:fld>
-            <a:endParaRPr lang="de-DE">
+            <a:endParaRPr kumimoji="0" lang="de-DE" sz="1000" b="0" i="0" u="none" strike="noStrike" kern="1200" cap="none" spc="0" normalizeH="0" baseline="0" noProof="0">
+              <a:ln>
+                <a:noFill/>
+              </a:ln>
               <a:solidFill>
                 <a:srgbClr val="000000"/>
               </a:solidFill>
+              <a:effectLst/>
+              <a:uLnTx/>
+              <a:uFillTx/>
               <a:latin typeface="Arial" panose="020B0604020202020204"/>
+              <a:ea typeface="+mn-ea"/>
+              <a:cs typeface="+mn-cs"/>
             </a:endParaRPr>
           </a:p>
         </p:txBody>
@@ -32722,81 +31865,127 @@
           <a:lstStyle/>
           <a:p>
             <a:r>
-              <a:rPr lang="en-US" dirty="0"/>
-              <a:t>Resources:</a:t>
+              <a:rPr lang="de-DE" dirty="0"/>
+              <a:t>Client-Server-Architektur</a:t>
             </a:r>
           </a:p>
           <a:p>
             <a:pPr lvl="1"/>
             <a:r>
-              <a:rPr lang="en-US" dirty="0"/>
-              <a:t>Code on Demand</a:t>
+              <a:rPr lang="de-DE" dirty="0"/>
+              <a:t>Eine einheitliche Schnittstelle trennt Client und Server</a:t>
             </a:r>
           </a:p>
           <a:p>
             <a:pPr lvl="1"/>
             <a:r>
-              <a:rPr lang="en-US" dirty="0"/>
-              <a:t>Uniform Interface</a:t>
-            </a:r>
-          </a:p>
-          <a:p>
-            <a:pPr lvl="2"/>
-            <a:r>
-              <a:rPr lang="en-US" dirty="0"/>
-              <a:t>Methods</a:t>
-            </a:r>
-          </a:p>
-          <a:p>
-            <a:pPr lvl="2"/>
-            <a:r>
-              <a:rPr lang="en-US" dirty="0"/>
-              <a:t>Representation</a:t>
-            </a:r>
-          </a:p>
-          <a:p>
-            <a:r>
-              <a:rPr lang="en-US" dirty="0"/>
-              <a:t>Protocol</a:t>
+              <a:rPr lang="de-DE" dirty="0"/>
+              <a:t>„</a:t>
+            </a:r>
+            <a:r>
+              <a:rPr lang="de-DE" dirty="0" err="1"/>
+              <a:t>Seperation</a:t>
+            </a:r>
+            <a:r>
+              <a:rPr lang="de-DE" dirty="0"/>
+              <a:t> </a:t>
+            </a:r>
+            <a:r>
+              <a:rPr lang="de-DE" dirty="0" err="1"/>
+              <a:t>of</a:t>
+            </a:r>
+            <a:r>
+              <a:rPr lang="de-DE" dirty="0"/>
+              <a:t> </a:t>
+            </a:r>
+            <a:r>
+              <a:rPr lang="de-DE" dirty="0" err="1"/>
+              <a:t>Concerns</a:t>
+            </a:r>
+            <a:r>
+              <a:rPr lang="de-DE" dirty="0"/>
+              <a:t>“</a:t>
             </a:r>
           </a:p>
           <a:p>
             <a:pPr lvl="1"/>
-            <a:r>
-              <a:rPr lang="en-US" dirty="0"/>
-              <a:t>Client-Server</a:t>
+            <a:endParaRPr lang="de-DE" dirty="0"/>
+          </a:p>
+          <a:p>
+            <a:r>
+              <a:rPr lang="de-DE" dirty="0"/>
+              <a:t>Zustandslosigkeit</a:t>
             </a:r>
           </a:p>
           <a:p>
             <a:pPr lvl="1"/>
             <a:r>
-              <a:rPr lang="en-US" dirty="0"/>
-              <a:t>Stateless</a:t>
+              <a:rPr lang="de-DE" dirty="0"/>
+              <a:t>Es werden keine Daten auf dem Server gespeichert</a:t>
             </a:r>
           </a:p>
           <a:p>
             <a:pPr lvl="1"/>
             <a:r>
-              <a:rPr lang="en-US" dirty="0"/>
-              <a:t>Cacheable</a:t>
+              <a:rPr lang="de-DE" dirty="0"/>
+              <a:t>Jede Abfrage muss alle benötigten Information für die Verarbeitung beinhalten</a:t>
             </a:r>
           </a:p>
           <a:p>
             <a:pPr lvl="1"/>
-            <a:r>
-              <a:rPr lang="en-US" dirty="0"/>
-              <a:t>Layered</a:t>
-            </a:r>
-          </a:p>
-          <a:p>
             <a:endParaRPr lang="de-DE" dirty="0"/>
+          </a:p>
+          <a:p>
+            <a:r>
+              <a:rPr lang="de-DE" dirty="0"/>
+              <a:t>Pufferbarkeit</a:t>
+            </a:r>
+          </a:p>
+          <a:p>
+            <a:pPr lvl="1"/>
+            <a:r>
+              <a:rPr lang="de-DE" dirty="0"/>
+              <a:t>Antworten des Servers müssen stets die Pufferbarkeit spezifizieren</a:t>
+            </a:r>
+          </a:p>
+          <a:p>
+            <a:pPr lvl="1"/>
+            <a:r>
+              <a:rPr lang="de-DE" dirty="0"/>
+              <a:t>Wie lange darf etwas gespeichert werden</a:t>
+            </a:r>
+          </a:p>
+          <a:p>
+            <a:pPr lvl="1"/>
+            <a:endParaRPr lang="de-DE" dirty="0"/>
+          </a:p>
+          <a:p>
+            <a:r>
+              <a:rPr lang="de-DE" dirty="0" err="1"/>
+              <a:t>Mehrschichtigkeit</a:t>
+            </a:r>
+            <a:endParaRPr lang="de-DE" dirty="0"/>
+          </a:p>
+          <a:p>
+            <a:pPr lvl="1"/>
+            <a:r>
+              <a:rPr lang="de-DE" dirty="0"/>
+              <a:t>Der Client weiß nicht, ob er direkt mit dem End-Server verbunden ist</a:t>
+            </a:r>
+          </a:p>
+          <a:p>
+            <a:pPr lvl="1"/>
+            <a:r>
+              <a:rPr lang="de-DE" dirty="0"/>
+              <a:t>oder ggfs. nur mit einem Server in der Mitte</a:t>
+            </a:r>
           </a:p>
         </p:txBody>
       </p:sp>
     </p:spTree>
     <p:extLst>
       <p:ext uri="{BB962C8B-B14F-4D97-AF65-F5344CB8AC3E}">
-        <p14:creationId xmlns:p14="http://schemas.microsoft.com/office/powerpoint/2010/main" val="227822394"/>
+        <p14:creationId xmlns:p14="http://schemas.microsoft.com/office/powerpoint/2010/main" val="3264409837"/>
       </p:ext>
     </p:extLst>
   </p:cSld>
@@ -39213,7 +38402,7 @@
           <a:p>
             <a:r>
               <a:rPr lang="de-DE"/>
-              <a:t>Charakteristiken von REST (2)</a:t>
+              <a:t>Charakteristiken von REST (3)</a:t>
             </a:r>
             <a:endParaRPr lang="de-DE" dirty="0"/>
           </a:p>
@@ -39234,20 +38423,53 @@
           <a:bodyPr/>
           <a:lstStyle/>
           <a:p>
-            <a:r>
-              <a:rPr lang="de-DE">
+            <a:pPr marL="0" marR="0" lvl="0" indent="0" algn="l" defTabSz="914400" rtl="0" eaLnBrk="1" fontAlgn="auto" latinLnBrk="0" hangingPunct="1">
+              <a:lnSpc>
+                <a:spcPct val="100000"/>
+              </a:lnSpc>
+              <a:spcBef>
+                <a:spcPts val="0"/>
+              </a:spcBef>
+              <a:spcAft>
+                <a:spcPts val="0"/>
+              </a:spcAft>
+              <a:buClrTx/>
+              <a:buSzTx/>
+              <a:buFontTx/>
+              <a:buNone/>
+              <a:tabLst/>
+              <a:defRPr/>
+            </a:pPr>
+            <a:r>
+              <a:rPr kumimoji="0" lang="de-DE" sz="1000" b="0" i="0" u="none" strike="noStrike" kern="1200" cap="none" spc="0" normalizeH="0" baseline="0" noProof="0">
+                <a:ln>
+                  <a:noFill/>
+                </a:ln>
                 <a:solidFill>
                   <a:srgbClr val="000000"/>
                 </a:solidFill>
+                <a:effectLst/>
+                <a:uLnTx/>
+                <a:uFillTx/>
                 <a:latin typeface="Arial" panose="020B0604020202020204"/>
+                <a:ea typeface="+mn-ea"/>
+                <a:cs typeface="+mn-cs"/>
               </a:rPr>
               <a:t>1.1.0324 © Cegos Integrata GmbH</a:t>
             </a:r>
-            <a:endParaRPr lang="de-DE" dirty="0">
+            <a:endParaRPr kumimoji="0" lang="de-DE" sz="1000" b="0" i="0" u="none" strike="noStrike" kern="1200" cap="none" spc="0" normalizeH="0" baseline="0" noProof="0" dirty="0">
+              <a:ln>
+                <a:noFill/>
+              </a:ln>
               <a:solidFill>
                 <a:srgbClr val="000000"/>
               </a:solidFill>
+              <a:effectLst/>
+              <a:uLnTx/>
+              <a:uFillTx/>
               <a:latin typeface="Arial" panose="020B0604020202020204"/>
+              <a:ea typeface="+mn-ea"/>
+              <a:cs typeface="+mn-cs"/>
             </a:endParaRPr>
           </a:p>
         </p:txBody>
@@ -39267,20 +38489,53 @@
           <a:bodyPr/>
           <a:lstStyle/>
           <a:p>
-            <a:r>
-              <a:rPr lang="de-DE">
+            <a:pPr marL="0" marR="0" lvl="0" indent="0" algn="ctr" defTabSz="914400" rtl="0" eaLnBrk="1" fontAlgn="auto" latinLnBrk="0" hangingPunct="1">
+              <a:lnSpc>
+                <a:spcPct val="100000"/>
+              </a:lnSpc>
+              <a:spcBef>
+                <a:spcPts val="0"/>
+              </a:spcBef>
+              <a:spcAft>
+                <a:spcPts val="0"/>
+              </a:spcAft>
+              <a:buClrTx/>
+              <a:buSzTx/>
+              <a:buFontTx/>
+              <a:buNone/>
+              <a:tabLst/>
+              <a:defRPr/>
+            </a:pPr>
+            <a:r>
+              <a:rPr kumimoji="0" lang="de-DE" sz="1000" b="0" i="0" u="none" strike="noStrike" kern="1200" cap="none" spc="0" normalizeH="0" baseline="0" noProof="0">
+                <a:ln>
+                  <a:noFill/>
+                </a:ln>
                 <a:solidFill>
                   <a:srgbClr val="000000"/>
                 </a:solidFill>
+                <a:effectLst/>
+                <a:uLnTx/>
+                <a:uFillTx/>
                 <a:latin typeface="Arial" panose="020B0604020202020204"/>
+                <a:ea typeface="+mn-ea"/>
+                <a:cs typeface="+mn-cs"/>
               </a:rPr>
               <a:t>Entwicklung von modernen SAPUI5 Oberflächen mit JavaScript und HTML5</a:t>
             </a:r>
-            <a:endParaRPr lang="de-DE" dirty="0">
+            <a:endParaRPr kumimoji="0" lang="de-DE" sz="1000" b="0" i="0" u="none" strike="noStrike" kern="1200" cap="none" spc="0" normalizeH="0" baseline="0" noProof="0" dirty="0">
+              <a:ln>
+                <a:noFill/>
+              </a:ln>
               <a:solidFill>
                 <a:srgbClr val="000000"/>
               </a:solidFill>
+              <a:effectLst/>
+              <a:uLnTx/>
+              <a:uFillTx/>
               <a:latin typeface="Arial" panose="020B0604020202020204"/>
+              <a:ea typeface="+mn-ea"/>
+              <a:cs typeface="+mn-cs"/>
             </a:endParaRPr>
           </a:p>
         </p:txBody>
@@ -39300,30 +38555,87 @@
           <a:bodyPr/>
           <a:lstStyle/>
           <a:p>
-            <a:r>
-              <a:rPr lang="de-DE">
+            <a:pPr marL="0" marR="0" lvl="0" indent="0" algn="r" defTabSz="914400" rtl="0" eaLnBrk="1" fontAlgn="auto" latinLnBrk="0" hangingPunct="1">
+              <a:lnSpc>
+                <a:spcPct val="100000"/>
+              </a:lnSpc>
+              <a:spcBef>
+                <a:spcPts val="0"/>
+              </a:spcBef>
+              <a:spcAft>
+                <a:spcPts val="0"/>
+              </a:spcAft>
+              <a:buClrTx/>
+              <a:buSzTx/>
+              <a:buFontTx/>
+              <a:buNone/>
+              <a:tabLst/>
+              <a:defRPr/>
+            </a:pPr>
+            <a:r>
+              <a:rPr kumimoji="0" lang="de-DE" sz="1000" b="0" i="0" u="none" strike="noStrike" kern="1200" cap="none" spc="0" normalizeH="0" baseline="0" noProof="0">
+                <a:ln>
+                  <a:noFill/>
+                </a:ln>
                 <a:solidFill>
                   <a:srgbClr val="000000"/>
                 </a:solidFill>
+                <a:effectLst/>
+                <a:uLnTx/>
+                <a:uFillTx/>
                 <a:latin typeface="Arial" panose="020B0604020202020204"/>
+                <a:ea typeface="+mn-ea"/>
+                <a:cs typeface="+mn-cs"/>
               </a:rPr>
               <a:t>Seite </a:t>
             </a:r>
             <a:fld id="{D22A2EFB-88EA-4F03-B9A3-82C34BC21B7C}" type="slidenum">
-              <a:rPr lang="de-DE">
+              <a:rPr kumimoji="0" lang="de-DE" sz="1000" b="0" i="0" u="none" strike="noStrike" kern="1200" cap="none" spc="0" normalizeH="0" baseline="0" noProof="0">
+                <a:ln>
+                  <a:noFill/>
+                </a:ln>
                 <a:solidFill>
                   <a:srgbClr val="000000"/>
                 </a:solidFill>
+                <a:effectLst/>
+                <a:uLnTx/>
+                <a:uFillTx/>
                 <a:latin typeface="Arial" panose="020B0604020202020204"/>
-              </a:rPr>
-              <a:pPr/>
+                <a:ea typeface="+mn-ea"/>
+                <a:cs typeface="+mn-cs"/>
+              </a:rPr>
+              <a:pPr marL="0" marR="0" lvl="0" indent="0" algn="r" defTabSz="914400" rtl="0" eaLnBrk="1" fontAlgn="auto" latinLnBrk="0" hangingPunct="1">
+                <a:lnSpc>
+                  <a:spcPct val="100000"/>
+                </a:lnSpc>
+                <a:spcBef>
+                  <a:spcPts val="0"/>
+                </a:spcBef>
+                <a:spcAft>
+                  <a:spcPts val="0"/>
+                </a:spcAft>
+                <a:buClrTx/>
+                <a:buSzTx/>
+                <a:buFontTx/>
+                <a:buNone/>
+                <a:tabLst/>
+                <a:defRPr/>
+              </a:pPr>
               <a:t>6</a:t>
             </a:fld>
-            <a:endParaRPr lang="de-DE">
+            <a:endParaRPr kumimoji="0" lang="de-DE" sz="1000" b="0" i="0" u="none" strike="noStrike" kern="1200" cap="none" spc="0" normalizeH="0" baseline="0" noProof="0">
+              <a:ln>
+                <a:noFill/>
+              </a:ln>
               <a:solidFill>
                 <a:srgbClr val="000000"/>
               </a:solidFill>
+              <a:effectLst/>
+              <a:uLnTx/>
+              <a:uFillTx/>
               <a:latin typeface="Arial" panose="020B0604020202020204"/>
+              <a:ea typeface="+mn-ea"/>
+              <a:cs typeface="+mn-cs"/>
             </a:endParaRPr>
           </a:p>
         </p:txBody>
@@ -39345,45 +38657,28 @@
           <a:p>
             <a:r>
               <a:rPr lang="de-DE" dirty="0"/>
-              <a:t>Client-Server-Architektur</a:t>
+              <a:t>Einheitliche Schnittstelle</a:t>
             </a:r>
           </a:p>
           <a:p>
             <a:pPr lvl="1"/>
             <a:r>
               <a:rPr lang="de-DE" dirty="0"/>
-              <a:t>Eine einheitliche Schnittstelle trennt Client und Server</a:t>
+              <a:t>Entkoppelt die Architektur</a:t>
             </a:r>
           </a:p>
           <a:p>
             <a:pPr lvl="1"/>
             <a:r>
               <a:rPr lang="de-DE" dirty="0"/>
-              <a:t>„</a:t>
-            </a:r>
-            <a:r>
-              <a:rPr lang="de-DE" dirty="0" err="1"/>
-              <a:t>Seperation</a:t>
-            </a:r>
+              <a:t>Ressourcen werden nach einem einheitlichen Verfahren identifiziert -&gt; Name, Pfad, Primärschlüssel</a:t>
+            </a:r>
+          </a:p>
+          <a:p>
+            <a:pPr lvl="1"/>
             <a:r>
               <a:rPr lang="de-DE" dirty="0"/>
-              <a:t> </a:t>
-            </a:r>
-            <a:r>
-              <a:rPr lang="de-DE" dirty="0" err="1"/>
-              <a:t>of</a:t>
-            </a:r>
-            <a:r>
-              <a:rPr lang="de-DE" dirty="0"/>
-              <a:t> </a:t>
-            </a:r>
-            <a:r>
-              <a:rPr lang="de-DE" dirty="0" err="1"/>
-              <a:t>Concerns</a:t>
-            </a:r>
-            <a:r>
-              <a:rPr lang="de-DE" dirty="0"/>
-              <a:t>“</a:t>
+              <a:t>Abfrage und Manipulation werden ebenfalls nach einem einheitlichen Verfahren vorgenommen</a:t>
             </a:r>
           </a:p>
           <a:p>
@@ -39393,21 +38688,21 @@
           <a:p>
             <a:r>
               <a:rPr lang="de-DE" dirty="0"/>
-              <a:t>Zustandslosigkeit</a:t>
+              <a:t>Programmcode bei Bedarf</a:t>
             </a:r>
           </a:p>
           <a:p>
             <a:pPr lvl="1"/>
             <a:r>
               <a:rPr lang="de-DE" dirty="0"/>
-              <a:t>Es werden keine Daten auf dem Server gespeichert</a:t>
+              <a:t>Server können bei Bedarf die Funktionalität des Clients erweitern</a:t>
             </a:r>
           </a:p>
           <a:p>
             <a:pPr lvl="1"/>
             <a:r>
               <a:rPr lang="de-DE" dirty="0"/>
-              <a:t>Jede Abfrage muss alle benötigten Information für die Verarbeitung beinhalten</a:t>
+              <a:t>Durch übertragen von ausführbarem Programmcode</a:t>
             </a:r>
           </a:p>
           <a:p>
@@ -39417,46 +38712,7 @@
           <a:p>
             <a:r>
               <a:rPr lang="de-DE" dirty="0"/>
-              <a:t>Pufferbarkeit</a:t>
-            </a:r>
-          </a:p>
-          <a:p>
-            <a:pPr lvl="1"/>
-            <a:r>
-              <a:rPr lang="de-DE" dirty="0"/>
-              <a:t>Antworten des Servers müssen stets die Pufferbarkeit spezifizieren</a:t>
-            </a:r>
-          </a:p>
-          <a:p>
-            <a:pPr lvl="1"/>
-            <a:r>
-              <a:rPr lang="de-DE" dirty="0"/>
-              <a:t>Wie lange darf etwas gespeichert werden</a:t>
-            </a:r>
-          </a:p>
-          <a:p>
-            <a:pPr lvl="1"/>
-            <a:endParaRPr lang="de-DE" dirty="0"/>
-          </a:p>
-          <a:p>
-            <a:r>
-              <a:rPr lang="de-DE" dirty="0" err="1"/>
-              <a:t>Mehrschichtigkeit</a:t>
-            </a:r>
-            <a:endParaRPr lang="de-DE" dirty="0"/>
-          </a:p>
-          <a:p>
-            <a:pPr lvl="1"/>
-            <a:r>
-              <a:rPr lang="de-DE" dirty="0"/>
-              <a:t>Der Client weiß nicht, ob er direkt mit dem End-Server verbunden ist</a:t>
-            </a:r>
-          </a:p>
-          <a:p>
-            <a:pPr lvl="1"/>
-            <a:r>
-              <a:rPr lang="de-DE" dirty="0"/>
-              <a:t>oder ggfs. nur mit einem Server in der Mitte</a:t>
+              <a:t>Eine Architektur muss diese Eigenschaften einhalten, damit sie REST-basiert genannt werden kann. Wie man dabei die eigentliche Implementierung vornimmt, ist egal</a:t>
             </a:r>
           </a:p>
         </p:txBody>
@@ -39464,7 +38720,7 @@
     </p:spTree>
     <p:extLst>
       <p:ext uri="{BB962C8B-B14F-4D97-AF65-F5344CB8AC3E}">
-        <p14:creationId xmlns:p14="http://schemas.microsoft.com/office/powerpoint/2010/main" val="4111899414"/>
+        <p14:creationId xmlns:p14="http://schemas.microsoft.com/office/powerpoint/2010/main" val="1556066086"/>
       </p:ext>
     </p:extLst>
   </p:cSld>
@@ -42710,10 +41966,9 @@
           <a:lstStyle/>
           <a:p>
             <a:r>
-              <a:rPr lang="de-DE"/>
-              <a:t>Charakteristiken von REST (3)</a:t>
-            </a:r>
-            <a:endParaRPr lang="de-DE" dirty="0"/>
+              <a:rPr lang="de-DE" dirty="0"/>
+              <a:t>REST-Befehle</a:t>
+            </a:r>
           </a:p>
         </p:txBody>
       </p:sp>
@@ -42765,6 +42020,9 @@
           <a:bodyPr/>
           <a:lstStyle/>
           <a:p>
+            <a:pPr>
+              <a:defRPr/>
+            </a:pPr>
             <a:r>
               <a:rPr lang="de-DE">
                 <a:solidFill>
@@ -42798,6 +42056,9 @@
           <a:bodyPr/>
           <a:lstStyle/>
           <a:p>
+            <a:pPr>
+              <a:defRPr/>
+            </a:pPr>
             <a:r>
               <a:rPr lang="de-DE">
                 <a:solidFill>
@@ -42814,7 +42075,9 @@
                 </a:solidFill>
                 <a:latin typeface="Arial" panose="020B0604020202020204"/>
               </a:rPr>
-              <a:pPr/>
+              <a:pPr>
+                <a:defRPr/>
+              </a:pPr>
               <a:t>7</a:t>
             </a:fld>
             <a:endParaRPr lang="de-DE">
@@ -42843,62 +42106,52 @@
           <a:p>
             <a:r>
               <a:rPr lang="de-DE" dirty="0"/>
-              <a:t>Einheitliche Schnittstelle</a:t>
-            </a:r>
-          </a:p>
-          <a:p>
-            <a:pPr lvl="1"/>
+              <a:t>GET: 	</a:t>
+            </a:r>
+            <a:r>
+              <a:rPr lang="de-DE" b="0" dirty="0"/>
+              <a:t>Ermitteln eines einzelnen Eintrags oder Liste</a:t>
+            </a:r>
+          </a:p>
+          <a:p>
             <a:r>
               <a:rPr lang="de-DE" dirty="0"/>
-              <a:t>Entkoppelt die Architektur</a:t>
-            </a:r>
-          </a:p>
-          <a:p>
-            <a:pPr lvl="1"/>
+              <a:t>POST:	</a:t>
+            </a:r>
+            <a:r>
+              <a:rPr lang="de-DE" b="0" dirty="0"/>
+              <a:t>Erzeugen eines neuen Eintrags</a:t>
+            </a:r>
+            <a:endParaRPr lang="de-DE" dirty="0"/>
+          </a:p>
+          <a:p>
             <a:r>
               <a:rPr lang="de-DE" dirty="0"/>
-              <a:t>Ressourcen werden nach einem einheitlichen Verfahren identifiziert -&gt; Name, Pfad, Primärschlüssel</a:t>
-            </a:r>
-          </a:p>
-          <a:p>
-            <a:pPr lvl="1"/>
+              <a:t>PUT:		</a:t>
+            </a:r>
+            <a:r>
+              <a:rPr lang="de-DE" b="0" dirty="0"/>
+              <a:t>Verändern eines existierenden Eintrags</a:t>
+            </a:r>
+          </a:p>
+          <a:p>
             <a:r>
               <a:rPr lang="de-DE" dirty="0"/>
-              <a:t>Abfrage und Manipulation werden ebenfalls nach einem einheitlichen Verfahren vorgenommen</a:t>
-            </a:r>
-          </a:p>
-          <a:p>
-            <a:pPr lvl="1"/>
-            <a:endParaRPr lang="de-DE" dirty="0"/>
+              <a:t>DELETE:	</a:t>
+            </a:r>
+            <a:r>
+              <a:rPr lang="de-DE" b="0" dirty="0"/>
+              <a:t>Löschen eines existierenden Eintrags</a:t>
+            </a:r>
           </a:p>
           <a:p>
             <a:r>
               <a:rPr lang="de-DE" dirty="0"/>
-              <a:t>Programmcode bei Bedarf</a:t>
-            </a:r>
-          </a:p>
-          <a:p>
-            <a:pPr lvl="1"/>
-            <a:r>
-              <a:rPr lang="de-DE" dirty="0"/>
-              <a:t>Server können bei Bedarf die Funktionalität des Clients erweitern</a:t>
-            </a:r>
-          </a:p>
-          <a:p>
-            <a:pPr lvl="1"/>
-            <a:r>
-              <a:rPr lang="de-DE" dirty="0"/>
-              <a:t>Durch übertragen von ausführbarem Programmcode</a:t>
-            </a:r>
-          </a:p>
-          <a:p>
-            <a:pPr lvl="1"/>
-            <a:endParaRPr lang="de-DE" dirty="0"/>
-          </a:p>
-          <a:p>
-            <a:r>
-              <a:rPr lang="de-DE" dirty="0"/>
-              <a:t>Eine Architektur muss diese Eigenschaften einhalten, damit sie REST-basiert genannt werden kann. Wie man dabei die eigentliche Implementierung vornimmt, ist egal</a:t>
+              <a:t>PATCH:	</a:t>
+            </a:r>
+            <a:r>
+              <a:rPr lang="de-DE" b="0" dirty="0"/>
+              <a:t>Aktualisieren einzelner Attribute eines existierenden 			Eintrags</a:t>
             </a:r>
           </a:p>
         </p:txBody>
@@ -42906,7 +42159,7 @@
     </p:spTree>
     <p:extLst>
       <p:ext uri="{BB962C8B-B14F-4D97-AF65-F5344CB8AC3E}">
-        <p14:creationId xmlns:p14="http://schemas.microsoft.com/office/powerpoint/2010/main" val="2670052259"/>
+        <p14:creationId xmlns:p14="http://schemas.microsoft.com/office/powerpoint/2010/main" val="4144835158"/>
       </p:ext>
     </p:extLst>
   </p:cSld>
@@ -43773,7 +43026,37 @@
             </a:r>
             <a:r>
               <a:rPr lang="de-DE" dirty="0"/>
-              <a:t> ist der Batch Modus gesetzt und aktiv</a:t>
+              <a:t> ist der Batch Modus im </a:t>
+            </a:r>
+            <a:r>
+              <a:rPr lang="de-DE" dirty="0" err="1"/>
+              <a:t>ODataModel</a:t>
+            </a:r>
+            <a:r>
+              <a:rPr lang="de-DE" dirty="0"/>
+              <a:t> (für </a:t>
+            </a:r>
+            <a:r>
+              <a:rPr lang="de-DE" dirty="0" err="1"/>
+              <a:t>OData</a:t>
+            </a:r>
+            <a:r>
+              <a:rPr lang="de-DE" dirty="0"/>
+              <a:t> V2) gesetzt und aktiv</a:t>
+            </a:r>
+          </a:p>
+          <a:p>
+            <a:r>
+              <a:rPr lang="de-DE" dirty="0"/>
+              <a:t>Dadurch werden alle </a:t>
+            </a:r>
+            <a:r>
+              <a:rPr lang="de-DE" dirty="0" err="1"/>
+              <a:t>Requests</a:t>
+            </a:r>
+            <a:r>
+              <a:rPr lang="de-DE" dirty="0"/>
+              <a:t> automatisch in einem Batch Request gebündelt</a:t>
             </a:r>
           </a:p>
           <a:p>
@@ -43806,7 +43089,7 @@
         </p:blipFill>
         <p:spPr>
           <a:xfrm>
-            <a:off x="848831" y="2389165"/>
+            <a:off x="848831" y="2974381"/>
             <a:ext cx="6726936" cy="2478024"/>
           </a:xfrm>
           <a:prstGeom prst="rect">
@@ -46049,13 +45332,7 @@
     </p:bg>
     <p:spTree>
       <p:nvGrpSpPr>
-        <p:cNvPr id="1" name="">
-          <a:extLst>
-            <a:ext uri="{FF2B5EF4-FFF2-40B4-BE49-F238E27FC236}">
-              <a16:creationId xmlns:a16="http://schemas.microsoft.com/office/drawing/2014/main" id="{FD3A06BC-84A4-1B04-B876-1FEF12FD2FBF}"/>
-            </a:ext>
-          </a:extLst>
-        </p:cNvPr>
+        <p:cNvPr id="1" name=""/>
         <p:cNvGrpSpPr/>
         <p:nvPr/>
       </p:nvGrpSpPr>
@@ -46072,7 +45349,7 @@
           <p:cNvPr id="8" name="Rectangle 7">
             <a:extLst>
               <a:ext uri="{FF2B5EF4-FFF2-40B4-BE49-F238E27FC236}">
-                <a16:creationId xmlns:a16="http://schemas.microsoft.com/office/drawing/2014/main" id="{3FF24847-0897-C538-2F5A-4B993CC9D432}"/>
+                <a16:creationId xmlns:a16="http://schemas.microsoft.com/office/drawing/2014/main" id="{100EDD19-6802-4EC3-95CE-CFFAB042CFD6}"/>
               </a:ext>
               <a:ext uri="{C183D7F6-B498-43B3-948B-1728B52AA6E4}">
                 <adec:decorative xmlns:adec="http://schemas.microsoft.com/office/drawing/2017/decorative" val="1"/>
@@ -46132,7 +45409,7 @@
           <p:cNvPr id="2" name="Titel 1">
             <a:extLst>
               <a:ext uri="{FF2B5EF4-FFF2-40B4-BE49-F238E27FC236}">
-                <a16:creationId xmlns:a16="http://schemas.microsoft.com/office/drawing/2014/main" id="{CA91103B-71A6-1D22-297A-C4D169741788}"/>
+                <a16:creationId xmlns:a16="http://schemas.microsoft.com/office/drawing/2014/main" id="{CBD2FA14-319D-DB2F-E6CE-E8160E3BF65D}"/>
               </a:ext>
             </a:extLst>
           </p:cNvPr>
@@ -46156,8 +45433,16 @@
           <a:lstStyle/>
           <a:p>
             <a:r>
-              <a:rPr lang="de-DE" sz="5400"/>
-              <a:t>Quiz</a:t>
+              <a:rPr lang="de-DE" sz="5400" dirty="0"/>
+              <a:t>Quiz - </a:t>
+            </a:r>
+            <a:r>
+              <a:rPr lang="de-DE" sz="5400" dirty="0" err="1"/>
+              <a:t>OData</a:t>
+            </a:r>
+            <a:r>
+              <a:rPr lang="de-DE" sz="5400" dirty="0"/>
+              <a:t> Grundlagen</a:t>
             </a:r>
           </a:p>
         </p:txBody>
@@ -46167,7 +45452,7 @@
           <p:cNvPr id="10" name="sketch line">
             <a:extLst>
               <a:ext uri="{FF2B5EF4-FFF2-40B4-BE49-F238E27FC236}">
-                <a16:creationId xmlns:a16="http://schemas.microsoft.com/office/drawing/2014/main" id="{6BACD19C-CFDF-DCAC-364E-EC3CA64BC175}"/>
+                <a16:creationId xmlns:a16="http://schemas.microsoft.com/office/drawing/2014/main" id="{DB17E863-922E-4C26-BD64-E8FD41D28661}"/>
               </a:ext>
               <a:ext uri="{C183D7F6-B498-43B3-948B-1728B52AA6E4}">
                 <adec:decorative xmlns:adec="http://schemas.microsoft.com/office/drawing/2017/decorative" val="1"/>
@@ -46805,7 +46090,7 @@
           <p:cNvPr id="3" name="Inhaltsplatzhalter 2">
             <a:extLst>
               <a:ext uri="{FF2B5EF4-FFF2-40B4-BE49-F238E27FC236}">
-                <a16:creationId xmlns:a16="http://schemas.microsoft.com/office/drawing/2014/main" id="{E0238DF5-9EDF-E13A-7657-C86BC84378B2}"/>
+                <a16:creationId xmlns:a16="http://schemas.microsoft.com/office/drawing/2014/main" id="{1BE54DF2-41C9-929F-DC77-8C1015569BB2}"/>
               </a:ext>
             </a:extLst>
           </p:cNvPr>
@@ -46830,7 +46115,100 @@
           <a:p>
             <a:r>
               <a:rPr lang="de-DE" sz="2200" dirty="0"/>
-              <a:t>Wofür steht CRUD?</a:t>
+              <a:t>Was ist </a:t>
+            </a:r>
+            <a:r>
+              <a:rPr lang="de-DE" sz="2200" dirty="0" err="1"/>
+              <a:t>OData</a:t>
+            </a:r>
+            <a:r>
+              <a:rPr lang="de-DE" sz="2200" dirty="0"/>
+              <a:t>? </a:t>
+            </a:r>
+          </a:p>
+          <a:p>
+            <a:r>
+              <a:rPr lang="de-DE" sz="2200" dirty="0"/>
+              <a:t>Welche REST Befehle gibt es?</a:t>
+            </a:r>
+          </a:p>
+          <a:p>
+            <a:r>
+              <a:rPr lang="de-DE" sz="2200" dirty="0"/>
+              <a:t>Mit welchem Parameter kann man die Ausgabe der </a:t>
+            </a:r>
+            <a:r>
+              <a:rPr lang="de-DE" sz="2200" dirty="0" err="1"/>
+              <a:t>OData</a:t>
+            </a:r>
+            <a:r>
+              <a:rPr lang="de-DE" sz="2200" dirty="0"/>
+              <a:t> Abfrage als JSON statt XML ausgeben? </a:t>
+            </a:r>
+          </a:p>
+          <a:p>
+            <a:r>
+              <a:rPr lang="de-DE" sz="2200" dirty="0"/>
+              <a:t>Welche CRUDQ-Methoden der DPC_EXT-Klasse kennen Sie?</a:t>
+            </a:r>
+          </a:p>
+          <a:p>
+            <a:r>
+              <a:rPr lang="de-DE" sz="2200" dirty="0"/>
+              <a:t>Wie und wo kann man in einer SAPUI5 App am einfachsten </a:t>
+            </a:r>
+            <a:r>
+              <a:rPr lang="de-DE" sz="2200" dirty="0" err="1"/>
+              <a:t>ODataModel</a:t>
+            </a:r>
+            <a:r>
+              <a:rPr lang="de-DE" sz="2200" dirty="0"/>
+              <a:t> und Service erzeugen und definieren?</a:t>
+            </a:r>
+          </a:p>
+          <a:p>
+            <a:r>
+              <a:rPr lang="de-DE" sz="2200" dirty="0"/>
+              <a:t>Welche beiden Funktionen kann man in UI5 der Funktion „</a:t>
+            </a:r>
+            <a:r>
+              <a:rPr lang="de-DE" sz="2200" dirty="0" err="1"/>
+              <a:t>create</a:t>
+            </a:r>
+            <a:r>
+              <a:rPr lang="de-DE" sz="2200" dirty="0"/>
+              <a:t>“ des </a:t>
+            </a:r>
+            <a:r>
+              <a:rPr lang="de-DE" sz="2200" dirty="0" err="1"/>
+              <a:t>ODataModel</a:t>
+            </a:r>
+            <a:r>
+              <a:rPr lang="de-DE" sz="2200" dirty="0"/>
+              <a:t> übergeben, die nach dem Ausführen des Create </a:t>
+            </a:r>
+            <a:r>
+              <a:rPr lang="de-DE" sz="2200" dirty="0" err="1"/>
+              <a:t>Requests</a:t>
+            </a:r>
+            <a:r>
+              <a:rPr lang="de-DE" sz="2200"/>
+              <a:t> ausgeführt werden?</a:t>
+            </a:r>
+            <a:endParaRPr lang="de-DE" sz="2200" dirty="0"/>
+          </a:p>
+          <a:p>
+            <a:r>
+              <a:rPr lang="de-DE" sz="2200" dirty="0"/>
+              <a:t>Was macht der $</a:t>
+            </a:r>
+            <a:r>
+              <a:rPr lang="de-DE" sz="2200" dirty="0" err="1"/>
+              <a:t>batch</a:t>
+            </a:r>
+            <a:r>
+              <a:rPr lang="de-DE" sz="2200" dirty="0"/>
+              <a:t> Modus?</a:t>
             </a:r>
           </a:p>
           <a:p>
@@ -46844,7 +46222,7 @@
     </p:spTree>
     <p:extLst>
       <p:ext uri="{BB962C8B-B14F-4D97-AF65-F5344CB8AC3E}">
-        <p14:creationId xmlns:p14="http://schemas.microsoft.com/office/powerpoint/2010/main" val="3843224393"/>
+        <p14:creationId xmlns:p14="http://schemas.microsoft.com/office/powerpoint/2010/main" val="308808531"/>
       </p:ext>
     </p:extLst>
   </p:cSld>
@@ -46888,7 +46266,15 @@
           <a:p>
             <a:r>
               <a:rPr lang="de-DE" dirty="0"/>
-              <a:t>REST-Befehle</a:t>
+              <a:t>Was ist </a:t>
+            </a:r>
+            <a:r>
+              <a:rPr lang="de-DE" dirty="0" err="1"/>
+              <a:t>OData</a:t>
+            </a:r>
+            <a:r>
+              <a:rPr lang="de-DE" dirty="0"/>
+              <a:t>?</a:t>
             </a:r>
           </a:p>
         </p:txBody>
@@ -46964,7 +46350,7 @@
       </p:sp>
       <p:sp>
         <p:nvSpPr>
-          <p:cNvPr id="7" name="Foliennummernplatzhalter 6"/>
+          <p:cNvPr id="8" name="Foliennummernplatzhalter 7"/>
           <p:cNvSpPr>
             <a:spLocks noGrp="1"/>
           </p:cNvSpPr>
@@ -47022,65 +46408,155 @@
         </p:nvSpPr>
         <p:spPr/>
         <p:txBody>
-          <a:bodyPr/>
-          <a:lstStyle/>
-          <a:p>
-            <a:r>
-              <a:rPr lang="de-DE" dirty="0"/>
-              <a:t>GET: 	</a:t>
-            </a:r>
-            <a:r>
-              <a:rPr lang="de-DE" b="0" dirty="0"/>
-              <a:t>Ermitteln eines einzelnen Eintrags oder Liste</a:t>
-            </a:r>
-          </a:p>
-          <a:p>
-            <a:r>
-              <a:rPr lang="de-DE" dirty="0"/>
-              <a:t>POST:	</a:t>
-            </a:r>
-            <a:r>
-              <a:rPr lang="de-DE" b="0" dirty="0"/>
-              <a:t>Erzeugen eines neuen Eintrags</a:t>
-            </a:r>
-            <a:endParaRPr lang="de-DE" dirty="0"/>
-          </a:p>
-          <a:p>
-            <a:r>
-              <a:rPr lang="de-DE" dirty="0"/>
-              <a:t>PUT:		</a:t>
-            </a:r>
-            <a:r>
-              <a:rPr lang="de-DE" b="0" dirty="0"/>
-              <a:t>Verändern eines existierenden Eintrags</a:t>
-            </a:r>
-          </a:p>
-          <a:p>
-            <a:r>
-              <a:rPr lang="de-DE" dirty="0"/>
-              <a:t>DELETE:	</a:t>
-            </a:r>
-            <a:r>
-              <a:rPr lang="de-DE" b="0" dirty="0"/>
-              <a:t>Löschen eines existierenden Eintrags</a:t>
-            </a:r>
-          </a:p>
-          <a:p>
-            <a:r>
-              <a:rPr lang="de-DE" dirty="0"/>
-              <a:t>PATCH:	</a:t>
-            </a:r>
-            <a:r>
-              <a:rPr lang="de-DE" b="0" dirty="0"/>
-              <a:t>Aktualisieren einzelner Attribute eines existierenden 			Eintrags</a:t>
-            </a:r>
+          <a:bodyPr>
+            <a:normAutofit/>
+          </a:bodyPr>
+          <a:lstStyle/>
+          <a:p>
+            <a:pPr algn="l"/>
+            <a:r>
+              <a:rPr lang="de-DE" dirty="0" err="1">
+                <a:latin typeface="+mj-lt"/>
+              </a:rPr>
+              <a:t>OData</a:t>
+            </a:r>
+            <a:r>
+              <a:rPr lang="de-DE" dirty="0">
+                <a:latin typeface="+mj-lt"/>
+              </a:rPr>
+              <a:t> (auch Open Data) ist von Microsoft publiziertes, auf http-basierendes Protokoll</a:t>
+            </a:r>
+          </a:p>
+          <a:p>
+            <a:pPr algn="l"/>
+            <a:r>
+              <a:rPr lang="de-DE" dirty="0">
+                <a:latin typeface="+mj-lt"/>
+              </a:rPr>
+              <a:t>Dient Datenaustausch zwischen kompatiblen Softwaresystemen</a:t>
+            </a:r>
+          </a:p>
+          <a:p>
+            <a:pPr algn="l"/>
+            <a:r>
+              <a:rPr lang="de-DE" dirty="0">
+                <a:latin typeface="+mj-lt"/>
+              </a:rPr>
+              <a:t>Mit </a:t>
+            </a:r>
+            <a:r>
+              <a:rPr lang="de-DE" dirty="0" err="1">
+                <a:latin typeface="+mj-lt"/>
+              </a:rPr>
+              <a:t>OData</a:t>
+            </a:r>
+            <a:r>
+              <a:rPr lang="de-DE" dirty="0">
+                <a:latin typeface="+mj-lt"/>
+              </a:rPr>
+              <a:t> ist zudem Integration von Daten aus verschiedenen Quellen möglich. </a:t>
+            </a:r>
+          </a:p>
+          <a:p>
+            <a:pPr algn="l"/>
+            <a:r>
+              <a:rPr lang="de-DE" dirty="0">
+                <a:latin typeface="+mj-lt"/>
+              </a:rPr>
+              <a:t>So können Anwender also zu jeder Zeit und von überall ihre Daten sicher und schnell nutzen.</a:t>
+            </a:r>
+          </a:p>
+          <a:p>
+            <a:pPr algn="l"/>
+            <a:r>
+              <a:rPr lang="de-DE" dirty="0">
+                <a:latin typeface="+mj-lt"/>
+              </a:rPr>
+              <a:t>Open Data bedeutet: „offene Daten“ – d.h., die Daten von allen Verantwortlichen ohne große Einschränkungen genutzt, verbreitet und verwendet werden können. </a:t>
+            </a:r>
+          </a:p>
+          <a:p>
+            <a:pPr algn="l"/>
+            <a:r>
+              <a:rPr lang="de-DE" dirty="0">
+                <a:latin typeface="+mj-lt"/>
+              </a:rPr>
+              <a:t>Die Einbindung von </a:t>
+            </a:r>
+            <a:r>
+              <a:rPr lang="de-DE" dirty="0" err="1">
+                <a:latin typeface="+mj-lt"/>
+                <a:hlinkClick r:id="rId2">
+                  <a:extLst>
+                    <a:ext uri="{A12FA001-AC4F-418D-AE19-62706E023703}">
+                      <ahyp:hlinkClr xmlns:ahyp="http://schemas.microsoft.com/office/drawing/2018/hyperlinkcolor" val="tx"/>
+                    </a:ext>
+                  </a:extLst>
+                </a:hlinkClick>
+              </a:rPr>
+              <a:t>OData</a:t>
+            </a:r>
+            <a:r>
+              <a:rPr lang="de-DE" dirty="0">
+                <a:latin typeface="+mj-lt"/>
+              </a:rPr>
+              <a:t> in Clouddienste ebenfalls möglich und stellt somit eine </a:t>
+            </a:r>
+          </a:p>
+          <a:p>
+            <a:pPr algn="l"/>
+            <a:r>
+              <a:rPr lang="de-DE" dirty="0">
+                <a:latin typeface="+mj-lt"/>
+              </a:rPr>
+              <a:t>Einheitliche Semantik für Datenaustausch in Client-Server-Kommunikation </a:t>
+            </a:r>
+          </a:p>
+          <a:p>
+            <a:pPr algn="l"/>
+            <a:r>
+              <a:rPr lang="de-DE" dirty="0">
+                <a:latin typeface="+mj-lt"/>
+              </a:rPr>
+              <a:t>Mit </a:t>
+            </a:r>
+            <a:r>
+              <a:rPr lang="de-DE" dirty="0" err="1">
+                <a:latin typeface="+mj-lt"/>
+              </a:rPr>
+              <a:t>OData</a:t>
+            </a:r>
+            <a:r>
+              <a:rPr lang="de-DE" dirty="0">
+                <a:latin typeface="+mj-lt"/>
+              </a:rPr>
+              <a:t> werden komplexe Standardkommunikationsprotokolle abgeschafft</a:t>
+            </a:r>
+          </a:p>
+          <a:p>
+            <a:pPr algn="l"/>
+            <a:r>
+              <a:rPr lang="de-DE" dirty="0">
+                <a:latin typeface="+mj-lt"/>
+              </a:rPr>
+              <a:t>Dadurch muss keine Kommunikationen zwischen Server und einer Anwendung aufwendig </a:t>
+            </a:r>
+            <a:r>
+              <a:rPr lang="de-DE" dirty="0" err="1">
+                <a:latin typeface="+mj-lt"/>
+              </a:rPr>
+              <a:t>formatiertwerden</a:t>
+            </a:r>
+            <a:endParaRPr lang="de-DE" dirty="0">
+              <a:latin typeface="+mj-lt"/>
+            </a:endParaRPr>
           </a:p>
         </p:txBody>
       </p:sp>
     </p:spTree>
     <p:extLst>
       <p:ext uri="{BB962C8B-B14F-4D97-AF65-F5344CB8AC3E}">
-        <p14:creationId xmlns:p14="http://schemas.microsoft.com/office/powerpoint/2010/main" val="4144835158"/>
+        <p14:creationId xmlns:p14="http://schemas.microsoft.com/office/powerpoint/2010/main" val="1256937822"/>
       </p:ext>
     </p:extLst>
   </p:cSld>
@@ -47795,7 +47271,13 @@
   <p:cSld>
     <p:spTree>
       <p:nvGrpSpPr>
-        <p:cNvPr id="1" name=""/>
+        <p:cNvPr id="1" name="">
+          <a:extLst>
+            <a:ext uri="{FF2B5EF4-FFF2-40B4-BE49-F238E27FC236}">
+              <a16:creationId xmlns:a16="http://schemas.microsoft.com/office/drawing/2014/main" id="{90661253-D7B9-A4C1-B3CB-9257B947D0B6}"/>
+            </a:ext>
+          </a:extLst>
+        </p:cNvPr>
         <p:cNvGrpSpPr/>
         <p:nvPr/>
       </p:nvGrpSpPr>
@@ -47809,7 +47291,13 @@
       </p:grpSpPr>
       <p:sp>
         <p:nvSpPr>
-          <p:cNvPr id="2" name="Titel 1"/>
+          <p:cNvPr id="2" name="Titel 1">
+            <a:extLst>
+              <a:ext uri="{FF2B5EF4-FFF2-40B4-BE49-F238E27FC236}">
+                <a16:creationId xmlns:a16="http://schemas.microsoft.com/office/drawing/2014/main" id="{218F1D94-0D00-05B6-2560-F43E4B00CF9B}"/>
+              </a:ext>
+            </a:extLst>
+          </p:cNvPr>
           <p:cNvSpPr>
             <a:spLocks noGrp="1"/>
           </p:cNvSpPr>
@@ -47826,13 +47314,22 @@
               <a:rPr lang="de-DE" dirty="0" err="1"/>
               <a:t>OData</a:t>
             </a:r>
-            <a:endParaRPr lang="de-DE" dirty="0"/>
-          </a:p>
-        </p:txBody>
-      </p:sp>
-      <p:sp>
-        <p:nvSpPr>
-          <p:cNvPr id="6" name="Datumsplatzhalter 5"/>
+            <a:r>
+              <a:rPr lang="de-DE" dirty="0"/>
+              <a:t> basiert auf</a:t>
+            </a:r>
+          </a:p>
+        </p:txBody>
+      </p:sp>
+      <p:sp>
+        <p:nvSpPr>
+          <p:cNvPr id="6" name="Datumsplatzhalter 5">
+            <a:extLst>
+              <a:ext uri="{FF2B5EF4-FFF2-40B4-BE49-F238E27FC236}">
+                <a16:creationId xmlns:a16="http://schemas.microsoft.com/office/drawing/2014/main" id="{5EBD8B5D-201F-FE13-D796-A75FBD50D5CB}"/>
+              </a:ext>
+            </a:extLst>
+          </p:cNvPr>
           <p:cNvSpPr>
             <a:spLocks noGrp="1"/>
           </p:cNvSpPr>
@@ -47865,7 +47362,13 @@
       </p:sp>
       <p:sp>
         <p:nvSpPr>
-          <p:cNvPr id="5" name="Fußzeilenplatzhalter 4"/>
+          <p:cNvPr id="5" name="Fußzeilenplatzhalter 4">
+            <a:extLst>
+              <a:ext uri="{FF2B5EF4-FFF2-40B4-BE49-F238E27FC236}">
+                <a16:creationId xmlns:a16="http://schemas.microsoft.com/office/drawing/2014/main" id="{C8D502F0-2D3E-4E19-2E3C-F087DB6864FF}"/>
+              </a:ext>
+            </a:extLst>
+          </p:cNvPr>
           <p:cNvSpPr>
             <a:spLocks noGrp="1"/>
           </p:cNvSpPr>
@@ -47901,7 +47404,13 @@
       </p:sp>
       <p:sp>
         <p:nvSpPr>
-          <p:cNvPr id="8" name="Foliennummernplatzhalter 7"/>
+          <p:cNvPr id="8" name="Foliennummernplatzhalter 7">
+            <a:extLst>
+              <a:ext uri="{FF2B5EF4-FFF2-40B4-BE49-F238E27FC236}">
+                <a16:creationId xmlns:a16="http://schemas.microsoft.com/office/drawing/2014/main" id="{4D3AFE41-DC22-9646-8116-D9B20A985A6A}"/>
+              </a:ext>
+            </a:extLst>
+          </p:cNvPr>
           <p:cNvSpPr>
             <a:spLocks noGrp="1"/>
           </p:cNvSpPr>
@@ -47949,7 +47458,13 @@
       </p:sp>
       <p:sp>
         <p:nvSpPr>
-          <p:cNvPr id="3" name="Inhaltsplatzhalter 2"/>
+          <p:cNvPr id="3" name="Inhaltsplatzhalter 2">
+            <a:extLst>
+              <a:ext uri="{FF2B5EF4-FFF2-40B4-BE49-F238E27FC236}">
+                <a16:creationId xmlns:a16="http://schemas.microsoft.com/office/drawing/2014/main" id="{EC2BF89F-413B-0A89-E6E7-9A343A9E4FE8}"/>
+              </a:ext>
+            </a:extLst>
+          </p:cNvPr>
           <p:cNvSpPr>
             <a:spLocks noGrp="1"/>
           </p:cNvSpPr>
@@ -48043,7 +47558,13 @@
       </p:sp>
       <p:pic>
         <p:nvPicPr>
-          <p:cNvPr id="7" name="Picture 3"/>
+          <p:cNvPr id="7" name="Picture 3">
+            <a:extLst>
+              <a:ext uri="{FF2B5EF4-FFF2-40B4-BE49-F238E27FC236}">
+                <a16:creationId xmlns:a16="http://schemas.microsoft.com/office/drawing/2014/main" id="{79956F5A-CBAC-E4F0-2684-EB3872F0605B}"/>
+              </a:ext>
+            </a:extLst>
+          </p:cNvPr>
           <p:cNvPicPr>
             <a:picLocks noChangeAspect="1"/>
           </p:cNvPicPr>
@@ -48073,7 +47594,7 @@
     </p:spTree>
     <p:extLst>
       <p:ext uri="{BB962C8B-B14F-4D97-AF65-F5344CB8AC3E}">
-        <p14:creationId xmlns:p14="http://schemas.microsoft.com/office/powerpoint/2010/main" val="1256937822"/>
+        <p14:creationId xmlns:p14="http://schemas.microsoft.com/office/powerpoint/2010/main" val="3816755461"/>
       </p:ext>
     </p:extLst>
   </p:cSld>
